--- a/070_presentation/CarlonRiccardiElOurrak_ProjectDesignPresentation.pptx
+++ b/070_presentation/CarlonRiccardiElOurrak_ProjectDesignPresentation.pptx
@@ -225,7 +225,7 @@
           <a:p>
             <a:fld id="{0EF95162-6873-F647-B392-BF6A1F606277}" type="datetimeFigureOut">
               <a:rPr lang="it-IT" smtClean="0"/>
-              <a:t>19/06/2024</a:t>
+              <a:t>20/06/2024</a:t>
             </a:fld>
             <a:endParaRPr lang="it-IT"/>
           </a:p>
@@ -763,7 +763,7 @@
           <a:p>
             <a:fld id="{2FDCBEE4-315A-8E42-835E-29A1DAE07625}" type="datetimeFigureOut">
               <a:rPr lang="it-IT" smtClean="0"/>
-              <a:t>19/06/2024</a:t>
+              <a:t>20/06/2024</a:t>
             </a:fld>
             <a:endParaRPr lang="it-IT"/>
           </a:p>
@@ -955,7 +955,7 @@
           <a:p>
             <a:fld id="{2FDCBEE4-315A-8E42-835E-29A1DAE07625}" type="datetimeFigureOut">
               <a:rPr lang="it-IT" smtClean="0"/>
-              <a:t>19/06/2024</a:t>
+              <a:t>20/06/2024</a:t>
             </a:fld>
             <a:endParaRPr lang="it-IT"/>
           </a:p>
@@ -1157,7 +1157,7 @@
           <a:p>
             <a:fld id="{2FDCBEE4-315A-8E42-835E-29A1DAE07625}" type="datetimeFigureOut">
               <a:rPr lang="it-IT" smtClean="0"/>
-              <a:t>19/06/2024</a:t>
+              <a:t>20/06/2024</a:t>
             </a:fld>
             <a:endParaRPr lang="it-IT"/>
           </a:p>
@@ -1349,7 +1349,7 @@
           <a:p>
             <a:fld id="{2FDCBEE4-315A-8E42-835E-29A1DAE07625}" type="datetimeFigureOut">
               <a:rPr lang="it-IT" smtClean="0"/>
-              <a:t>19/06/2024</a:t>
+              <a:t>20/06/2024</a:t>
             </a:fld>
             <a:endParaRPr lang="it-IT"/>
           </a:p>
@@ -1618,7 +1618,7 @@
           <a:p>
             <a:fld id="{2FDCBEE4-315A-8E42-835E-29A1DAE07625}" type="datetimeFigureOut">
               <a:rPr lang="it-IT" smtClean="0"/>
-              <a:t>19/06/2024</a:t>
+              <a:t>20/06/2024</a:t>
             </a:fld>
             <a:endParaRPr lang="it-IT"/>
           </a:p>
@@ -1927,7 +1927,7 @@
           <a:p>
             <a:fld id="{2FDCBEE4-315A-8E42-835E-29A1DAE07625}" type="datetimeFigureOut">
               <a:rPr lang="it-IT" smtClean="0"/>
-              <a:t>19/06/2024</a:t>
+              <a:t>20/06/2024</a:t>
             </a:fld>
             <a:endParaRPr lang="it-IT"/>
           </a:p>
@@ -2370,7 +2370,7 @@
           <a:p>
             <a:fld id="{2FDCBEE4-315A-8E42-835E-29A1DAE07625}" type="datetimeFigureOut">
               <a:rPr lang="it-IT" smtClean="0"/>
-              <a:t>19/06/2024</a:t>
+              <a:t>20/06/2024</a:t>
             </a:fld>
             <a:endParaRPr lang="it-IT"/>
           </a:p>
@@ -2511,7 +2511,7 @@
           <a:p>
             <a:fld id="{2FDCBEE4-315A-8E42-835E-29A1DAE07625}" type="datetimeFigureOut">
               <a:rPr lang="it-IT" smtClean="0"/>
-              <a:t>19/06/2024</a:t>
+              <a:t>20/06/2024</a:t>
             </a:fld>
             <a:endParaRPr lang="it-IT"/>
           </a:p>
@@ -2630,7 +2630,7 @@
           <a:p>
             <a:fld id="{2FDCBEE4-315A-8E42-835E-29A1DAE07625}" type="datetimeFigureOut">
               <a:rPr lang="it-IT" smtClean="0"/>
-              <a:t>19/06/2024</a:t>
+              <a:t>20/06/2024</a:t>
             </a:fld>
             <a:endParaRPr lang="it-IT"/>
           </a:p>
@@ -2929,7 +2929,7 @@
           <a:p>
             <a:fld id="{2FDCBEE4-315A-8E42-835E-29A1DAE07625}" type="datetimeFigureOut">
               <a:rPr lang="it-IT" smtClean="0"/>
-              <a:t>19/06/2024</a:t>
+              <a:t>20/06/2024</a:t>
             </a:fld>
             <a:endParaRPr lang="it-IT"/>
           </a:p>
@@ -3205,7 +3205,7 @@
           <a:p>
             <a:fld id="{2FDCBEE4-315A-8E42-835E-29A1DAE07625}" type="datetimeFigureOut">
               <a:rPr lang="it-IT" smtClean="0"/>
-              <a:t>19/06/2024</a:t>
+              <a:t>20/06/2024</a:t>
             </a:fld>
             <a:endParaRPr lang="it-IT"/>
           </a:p>
@@ -4381,20 +4381,69 @@
             <p:ph type="title"/>
           </p:nvPr>
         </p:nvSpPr>
-        <p:spPr/>
+        <p:spPr>
+          <a:xfrm>
+            <a:off x="1" y="0"/>
+            <a:ext cx="2444375" cy="4386729"/>
+          </a:xfrm>
+        </p:spPr>
         <p:txBody>
           <a:bodyPr>
-            <a:normAutofit fontScale="90000"/>
+            <a:normAutofit/>
           </a:bodyPr>
           <a:lstStyle/>
           <a:p>
             <a:r>
-              <a:rPr lang="en-US" dirty="0"/>
-              <a:t>Actors and main supported functionalities</a:t>
-            </a:r>
-          </a:p>
-        </p:txBody>
-      </p:sp>
+              <a:rPr lang="en-US" sz="2800" b="1" dirty="0"/>
+              <a:t>Actors </a:t>
+            </a:r>
+            <a:br>
+              <a:rPr lang="en-US" sz="2800" dirty="0"/>
+            </a:br>
+            <a:r>
+              <a:rPr lang="en-US" sz="2800" dirty="0"/>
+              <a:t>and </a:t>
+            </a:r>
+            <a:br>
+              <a:rPr lang="en-US" sz="2800" dirty="0"/>
+            </a:br>
+            <a:r>
+              <a:rPr lang="en-US" sz="2800" b="1" dirty="0"/>
+              <a:t>main supported functionalities</a:t>
+            </a:r>
+          </a:p>
+        </p:txBody>
+      </p:sp>
+      <p:pic>
+        <p:nvPicPr>
+          <p:cNvPr id="4" name="Picture 3" descr="A screenshot of a computer screen&#10;&#10;Description automatically generated">
+            <a:extLst>
+              <a:ext uri="{FF2B5EF4-FFF2-40B4-BE49-F238E27FC236}">
+                <a16:creationId xmlns:a16="http://schemas.microsoft.com/office/drawing/2014/main" id="{884AD706-5874-6902-771D-CC3CACBB7ADE}"/>
+              </a:ext>
+            </a:extLst>
+          </p:cNvPr>
+          <p:cNvPicPr>
+            <a:picLocks noChangeAspect="1"/>
+          </p:cNvPicPr>
+          <p:nvPr/>
+        </p:nvPicPr>
+        <p:blipFill>
+          <a:blip r:embed="rId2"/>
+          <a:stretch>
+            <a:fillRect/>
+          </a:stretch>
+        </p:blipFill>
+        <p:spPr>
+          <a:xfrm>
+            <a:off x="2777594" y="0"/>
+            <a:ext cx="6366406" cy="6317129"/>
+          </a:xfrm>
+          <a:prstGeom prst="rect">
+            <a:avLst/>
+          </a:prstGeom>
+        </p:spPr>
+      </p:pic>
     </p:spTree>
     <p:extLst>
       <p:ext uri="{BB962C8B-B14F-4D97-AF65-F5344CB8AC3E}">

--- a/070_presentation/CarlonRiccardiElOurrak_ProjectDesignPresentation.pptx
+++ b/070_presentation/CarlonRiccardiElOurrak_ProjectDesignPresentation.pptx
@@ -4384,7 +4384,7 @@
         <p:spPr>
           <a:xfrm>
             <a:off x="1" y="0"/>
-            <a:ext cx="2444375" cy="4386729"/>
+            <a:ext cx="2605740" cy="4386729"/>
           </a:xfrm>
         </p:spPr>
         <p:txBody>
@@ -4416,10 +4416,10 @@
       </p:sp>
       <p:pic>
         <p:nvPicPr>
-          <p:cNvPr id="4" name="Picture 3" descr="A screenshot of a computer screen&#10;&#10;Description automatically generated">
+          <p:cNvPr id="5" name="Picture 4" descr="A screenshot of a computer screen&#10;&#10;Description automatically generated">
             <a:extLst>
               <a:ext uri="{FF2B5EF4-FFF2-40B4-BE49-F238E27FC236}">
-                <a16:creationId xmlns:a16="http://schemas.microsoft.com/office/drawing/2014/main" id="{884AD706-5874-6902-771D-CC3CACBB7ADE}"/>
+                <a16:creationId xmlns:a16="http://schemas.microsoft.com/office/drawing/2014/main" id="{B9D8CE39-E3C6-F951-5F6F-F86D2D82C802}"/>
               </a:ext>
             </a:extLst>
           </p:cNvPr>
@@ -4436,8 +4436,8 @@
         </p:blipFill>
         <p:spPr>
           <a:xfrm>
-            <a:off x="2777594" y="0"/>
-            <a:ext cx="6366406" cy="6317129"/>
+            <a:off x="2766840" y="0"/>
+            <a:ext cx="6377159" cy="6858000"/>
           </a:xfrm>
           <a:prstGeom prst="rect">
             <a:avLst/>
@@ -4524,7 +4524,7 @@
         <p:spPr>
           <a:xfrm>
             <a:off x="397485" y="933746"/>
-            <a:ext cx="8349029" cy="5078313"/>
+            <a:ext cx="8349029" cy="6124754"/>
           </a:xfrm>
           <a:prstGeom prst="rect">
             <a:avLst/>
@@ -4539,32 +4539,154 @@
           <a:p>
             <a:pPr lvl="0"/>
             <a:r>
-              <a:rPr lang="en-US" b="1" i="1" dirty="0"/>
+              <a:rPr lang="en-US" sz="1400" b="1" i="1" dirty="0"/>
               <a:t>Source: </a:t>
             </a:r>
           </a:p>
           <a:p>
+            <a:pPr marL="285750" lvl="0" indent="-285750">
+              <a:buFont typeface="Arial" panose="020B0604020202020204" pitchFamily="34" charset="0"/>
+              <a:buChar char="•"/>
+            </a:pPr>
+            <a:r>
+              <a:rPr lang="en-US" sz="1400" b="1" i="1" dirty="0">
+                <a:hlinkClick r:id="rId2"/>
+              </a:rPr>
+              <a:t>https://myanimelist.net/</a:t>
+            </a:r>
+            <a:r>
+              <a:rPr lang="en-US" sz="1400" b="1" i="1" dirty="0"/>
+              <a:t> (</a:t>
+            </a:r>
+            <a:r>
+              <a:rPr lang="en-US" sz="1400" b="1" i="1" dirty="0" err="1"/>
+              <a:t>anime_info</a:t>
+            </a:r>
+            <a:r>
+              <a:rPr lang="en-US" sz="1400" b="1" i="1" dirty="0"/>
+              <a:t>, </a:t>
+            </a:r>
+            <a:r>
+              <a:rPr lang="en-US" sz="1400" b="1" i="1" dirty="0" err="1"/>
+              <a:t>user_anime_lists</a:t>
+            </a:r>
+            <a:r>
+              <a:rPr lang="en-US" sz="1400" b="1" i="1" dirty="0"/>
+              <a:t>, user data) </a:t>
+            </a:r>
+          </a:p>
+          <a:p>
+            <a:pPr marL="285750" lvl="0" indent="-285750">
+              <a:buFont typeface="Arial" panose="020B0604020202020204" pitchFamily="34" charset="0"/>
+              <a:buChar char="•"/>
+            </a:pPr>
+            <a:r>
+              <a:rPr lang="en-US" sz="1400" b="1" i="1" dirty="0">
+                <a:hlinkClick r:id="rId3"/>
+              </a:rPr>
+              <a:t>https://sourceforge.net/projects/anime-offline-database.mirror/</a:t>
+            </a:r>
+            <a:r>
+              <a:rPr lang="en-US" sz="1400" b="1" i="1" dirty="0"/>
+              <a:t> (</a:t>
+            </a:r>
+            <a:r>
+              <a:rPr lang="en-US" sz="1400" b="1" i="1" dirty="0" err="1"/>
+              <a:t>anime_info</a:t>
+            </a:r>
+            <a:r>
+              <a:rPr lang="en-US" sz="1400" b="1" i="1" dirty="0"/>
+              <a:t>, images)</a:t>
+            </a:r>
+          </a:p>
+          <a:p>
+            <a:pPr marL="285750" indent="-285750">
+              <a:buFont typeface="Arial" panose="020B0604020202020204" pitchFamily="34" charset="0"/>
+              <a:buChar char="•"/>
+            </a:pPr>
+            <a:r>
+              <a:rPr lang="en-US" sz="1400" b="1" i="1" dirty="0">
+                <a:hlinkClick r:id="rId4"/>
+              </a:rPr>
+              <a:t>https://www.name-generator.org.uk/quick/</a:t>
+            </a:r>
+            <a:r>
+              <a:rPr lang="en-US" sz="1400" b="1" i="1" dirty="0"/>
+              <a:t> (user data)</a:t>
+            </a:r>
+          </a:p>
+          <a:p>
+            <a:pPr marL="285750" indent="-285750">
+              <a:buFont typeface="Arial" panose="020B0604020202020204" pitchFamily="34" charset="0"/>
+              <a:buChar char="•"/>
+            </a:pPr>
+            <a:r>
+              <a:rPr lang="en-US" sz="1400" b="1" i="1" dirty="0">
+                <a:hlinkClick r:id="rId5"/>
+              </a:rPr>
+              <a:t>https://1000randomnames.com/</a:t>
+            </a:r>
+            <a:r>
+              <a:rPr lang="en-US" sz="1400" b="1" i="1" dirty="0"/>
+              <a:t> (user data)</a:t>
+            </a:r>
+          </a:p>
+          <a:p>
+            <a:pPr marL="285750" indent="-285750">
+              <a:buFont typeface="Arial" panose="020B0604020202020204" pitchFamily="34" charset="0"/>
+              <a:buChar char="•"/>
+            </a:pPr>
+            <a:endParaRPr lang="en-US" sz="1400" b="1" i="1" dirty="0"/>
+          </a:p>
+          <a:p>
+            <a:pPr marL="285750" lvl="0" indent="-285750">
+              <a:buFontTx/>
+              <a:buChar char="-"/>
+            </a:pPr>
+            <a:endParaRPr lang="en-US" sz="1400" b="1" i="1" dirty="0"/>
+          </a:p>
+          <a:p>
             <a:pPr lvl="0"/>
-            <a:r>
-              <a:rPr lang="en-US" b="1" i="1" dirty="0"/>
-              <a:t>-	https://myanimelist.net/</a:t>
-            </a:r>
+            <a:endParaRPr lang="en-US" sz="1400" b="1" i="1" dirty="0"/>
           </a:p>
           <a:p>
             <a:pPr lvl="0"/>
             <a:r>
-              <a:rPr lang="en-US" b="1" i="1" dirty="0"/>
-              <a:t>-	https://www.name-generator.org.uk/quick/ Description:</a:t>
+              <a:rPr lang="en-US" sz="1400" b="1" i="1" dirty="0"/>
+              <a:t>Description:</a:t>
             </a:r>
           </a:p>
           <a:p>
             <a:pPr lvl="0"/>
-            <a:endParaRPr lang="en-US" dirty="0"/>
+            <a:r>
+              <a:rPr lang="en-US" sz="1400" dirty="0"/>
+              <a:t>Dataset contains real anime and users information, as well as list of anime per user.</a:t>
+            </a:r>
           </a:p>
           <a:p>
             <a:pPr lvl="0"/>
             <a:r>
-              <a:rPr lang="en-US" dirty="0"/>
+              <a:rPr lang="en-US" sz="1400" dirty="0"/>
+              <a:t>The name/surname of the users are randomly generated.</a:t>
+            </a:r>
+            <a:endParaRPr lang="en-US" sz="1400" b="1" i="1" dirty="0"/>
+          </a:p>
+          <a:p>
+            <a:pPr lvl="0"/>
+            <a:endParaRPr lang="en-US" sz="1400" b="1" i="1" dirty="0"/>
+          </a:p>
+          <a:p>
+            <a:pPr lvl="0"/>
+            <a:r>
+              <a:rPr lang="en-US" sz="1400" b="1" i="1" dirty="0"/>
+              <a:t>Volume:</a:t>
+            </a:r>
+            <a:endParaRPr lang="en-US" sz="1400" dirty="0"/>
+          </a:p>
+          <a:p>
+            <a:pPr lvl="0"/>
+            <a:r>
+              <a:rPr lang="en-US" sz="1400" dirty="0"/>
               <a:t>The scraped dataset has three .csv files: </a:t>
             </a:r>
           </a:p>
@@ -4574,10 +4696,17 @@
               <a:buChar char="-"/>
             </a:pPr>
             <a:r>
-              <a:rPr lang="en-US" dirty="0" err="1"/>
-              <a:t>User_data</a:t>
-            </a:r>
-            <a:endParaRPr lang="en-US" dirty="0"/>
+              <a:rPr lang="en-US" sz="1400" dirty="0" err="1"/>
+              <a:t>User_List</a:t>
+            </a:r>
+            <a:r>
+              <a:rPr lang="en-US" sz="1400" dirty="0"/>
+              <a:t> : </a:t>
+            </a:r>
+            <a:r>
+              <a:rPr lang="en-US" sz="1400" b="1" dirty="0"/>
+              <a:t>15.75 MB</a:t>
+            </a:r>
           </a:p>
           <a:p>
             <a:pPr marL="342900" lvl="0" indent="-342900">
@@ -4585,10 +4714,17 @@
               <a:buChar char="-"/>
             </a:pPr>
             <a:r>
-              <a:rPr lang="en-US" dirty="0" err="1"/>
+              <a:rPr lang="en-US" sz="1400" dirty="0" err="1"/>
               <a:t>Anime_details</a:t>
             </a:r>
-            <a:endParaRPr lang="en-US" dirty="0"/>
+            <a:r>
+              <a:rPr lang="en-US" sz="1400" dirty="0"/>
+              <a:t> : </a:t>
+            </a:r>
+            <a:r>
+              <a:rPr lang="en-US" sz="1400" b="1" dirty="0"/>
+              <a:t>6.33 MB</a:t>
+            </a:r>
           </a:p>
           <a:p>
             <a:pPr marL="342900" lvl="0" indent="-342900">
@@ -4596,68 +4732,80 @@
               <a:buChar char="-"/>
             </a:pPr>
             <a:r>
-              <a:rPr lang="en-US" dirty="0"/>
-              <a:t>List of anime for each user</a:t>
-            </a:r>
+              <a:rPr lang="en-US" sz="1400" dirty="0"/>
+              <a:t>List of anime for each user : </a:t>
+            </a:r>
+            <a:r>
+              <a:rPr lang="en-US" sz="1400" b="1" dirty="0"/>
+              <a:t>2.26 GB</a:t>
+            </a:r>
+          </a:p>
+          <a:p>
+            <a:pPr marL="342900" lvl="0" indent="-342900">
+              <a:buFontTx/>
+              <a:buChar char="-"/>
+            </a:pPr>
+            <a:r>
+              <a:rPr lang="en-US" sz="1400" dirty="0" err="1"/>
+              <a:t>Anime_info</a:t>
+            </a:r>
+            <a:r>
+              <a:rPr lang="en-US" sz="1400" dirty="0"/>
+              <a:t> and images : 47.3 MB</a:t>
+            </a:r>
+          </a:p>
+          <a:p>
+            <a:pPr marL="342900" lvl="0" indent="-342900">
+              <a:buFontTx/>
+              <a:buChar char="-"/>
+            </a:pPr>
+            <a:r>
+              <a:rPr lang="en-US" sz="1400" dirty="0"/>
+              <a:t>a</a:t>
+            </a:r>
+          </a:p>
+          <a:p>
+            <a:pPr marL="342900" lvl="0" indent="-342900">
+              <a:buFontTx/>
+              <a:buChar char="-"/>
+            </a:pPr>
+            <a:endParaRPr lang="en-US" sz="1400" b="1" dirty="0"/>
           </a:p>
           <a:p>
             <a:pPr lvl="0"/>
-            <a:endParaRPr lang="en-US" b="1" i="1" dirty="0"/>
+            <a:endParaRPr lang="en-US" sz="1400" b="1" i="1" dirty="0"/>
           </a:p>
           <a:p>
             <a:pPr lvl="0"/>
             <a:r>
-              <a:rPr lang="en-US" b="1" i="1" dirty="0"/>
-              <a:t>Volume:</a:t>
+              <a:rPr lang="en-US" sz="1400" dirty="0"/>
+              <a:t>The initial volume of the scraped DB was about 2.5GB</a:t>
             </a:r>
           </a:p>
           <a:p>
             <a:pPr lvl="0"/>
-            <a:r>
-              <a:rPr lang="en-US" dirty="0"/>
-              <a:t>The initial volume of the scraped DB was about 2.5GB</a:t>
-            </a:r>
+            <a:endParaRPr lang="en-US" sz="1400" b="1" i="1" dirty="0"/>
           </a:p>
           <a:p>
             <a:pPr lvl="0"/>
-            <a:endParaRPr lang="en-US" b="1" i="1" dirty="0"/>
+            <a:r>
+              <a:rPr lang="en-US" sz="1400" b="1" i="1" dirty="0"/>
+              <a:t>Variety</a:t>
+            </a:r>
+            <a:r>
+              <a:rPr lang="en-US" sz="1400" dirty="0"/>
+              <a:t>: </a:t>
+            </a:r>
           </a:p>
           <a:p>
             <a:pPr lvl="0"/>
             <a:r>
-              <a:rPr lang="en-US" b="1" i="1" dirty="0"/>
-              <a:t>Variety</a:t>
-            </a:r>
-            <a:r>
-              <a:rPr lang="en-US" dirty="0"/>
-              <a:t>: </a:t>
-            </a:r>
-          </a:p>
-          <a:p>
-            <a:pPr lvl="0"/>
-            <a:r>
-              <a:rPr lang="en-US" dirty="0"/>
+              <a:rPr lang="en-US" sz="1400" dirty="0"/>
               <a:t>The data comes from the complete database of the original website, and have the same distribution as the real users</a:t>
             </a:r>
           </a:p>
           <a:p>
-            <a:pPr lvl="0"/>
-            <a:endParaRPr lang="en-US" b="1" i="1" dirty="0"/>
-          </a:p>
-          <a:p>
-            <a:pPr lvl="0"/>
-            <a:r>
-              <a:rPr lang="en-US" b="1" i="1" dirty="0"/>
-              <a:t>Velocity/Variability</a:t>
-            </a:r>
-            <a:r>
-              <a:rPr lang="en-US" dirty="0"/>
-              <a:t>:</a:t>
-            </a:r>
-            <a:endParaRPr lang="it-IT" dirty="0"/>
-          </a:p>
-          <a:p>
-            <a:endParaRPr lang="en-US" dirty="0"/>
+            <a:endParaRPr lang="en-US" sz="1400" dirty="0"/>
           </a:p>
         </p:txBody>
       </p:sp>
@@ -5050,6 +5198,36 @@
           </a:p>
         </p:txBody>
       </p:sp>
+      <p:pic>
+        <p:nvPicPr>
+          <p:cNvPr id="6" name="Picture 5" descr="A black and pink circle with black text&#10;&#10;Description automatically generated">
+            <a:extLst>
+              <a:ext uri="{FF2B5EF4-FFF2-40B4-BE49-F238E27FC236}">
+                <a16:creationId xmlns:a16="http://schemas.microsoft.com/office/drawing/2014/main" id="{CB56E956-B9B4-DFC8-B34E-96EC91E71431}"/>
+              </a:ext>
+            </a:extLst>
+          </p:cNvPr>
+          <p:cNvPicPr>
+            <a:picLocks noChangeAspect="1"/>
+          </p:cNvPicPr>
+          <p:nvPr/>
+        </p:nvPicPr>
+        <p:blipFill>
+          <a:blip r:embed="rId2"/>
+          <a:stretch>
+            <a:fillRect/>
+          </a:stretch>
+        </p:blipFill>
+        <p:spPr>
+          <a:xfrm>
+            <a:off x="4370387" y="1665568"/>
+            <a:ext cx="3857625" cy="1028700"/>
+          </a:xfrm>
+          <a:prstGeom prst="rect">
+            <a:avLst/>
+          </a:prstGeom>
+        </p:spPr>
+      </p:pic>
     </p:spTree>
     <p:extLst>
       <p:ext uri="{BB962C8B-B14F-4D97-AF65-F5344CB8AC3E}">

--- a/070_presentation/CarlonRiccardiElOurrak_ProjectDesignPresentation.pptx
+++ b/070_presentation/CarlonRiccardiElOurrak_ProjectDesignPresentation.pptx
@@ -13,9 +13,9 @@
     <p:sldId id="263" r:id="rId4"/>
     <p:sldId id="258" r:id="rId5"/>
     <p:sldId id="259" r:id="rId6"/>
-    <p:sldId id="260" r:id="rId7"/>
-    <p:sldId id="265" r:id="rId8"/>
-    <p:sldId id="261" r:id="rId9"/>
+    <p:sldId id="266" r:id="rId7"/>
+    <p:sldId id="260" r:id="rId8"/>
+    <p:sldId id="265" r:id="rId9"/>
     <p:sldId id="262" r:id="rId10"/>
     <p:sldId id="264" r:id="rId11"/>
   </p:sldIdLst>
@@ -225,7 +225,7 @@
           <a:p>
             <a:fld id="{0EF95162-6873-F647-B392-BF6A1F606277}" type="datetimeFigureOut">
               <a:rPr lang="it-IT" smtClean="0"/>
-              <a:t>20/06/2024</a:t>
+              <a:t>21/06/2024</a:t>
             </a:fld>
             <a:endParaRPr lang="it-IT"/>
           </a:p>
@@ -763,7 +763,7 @@
           <a:p>
             <a:fld id="{2FDCBEE4-315A-8E42-835E-29A1DAE07625}" type="datetimeFigureOut">
               <a:rPr lang="it-IT" smtClean="0"/>
-              <a:t>20/06/2024</a:t>
+              <a:t>21/06/2024</a:t>
             </a:fld>
             <a:endParaRPr lang="it-IT"/>
           </a:p>
@@ -955,7 +955,7 @@
           <a:p>
             <a:fld id="{2FDCBEE4-315A-8E42-835E-29A1DAE07625}" type="datetimeFigureOut">
               <a:rPr lang="it-IT" smtClean="0"/>
-              <a:t>20/06/2024</a:t>
+              <a:t>21/06/2024</a:t>
             </a:fld>
             <a:endParaRPr lang="it-IT"/>
           </a:p>
@@ -1157,7 +1157,7 @@
           <a:p>
             <a:fld id="{2FDCBEE4-315A-8E42-835E-29A1DAE07625}" type="datetimeFigureOut">
               <a:rPr lang="it-IT" smtClean="0"/>
-              <a:t>20/06/2024</a:t>
+              <a:t>21/06/2024</a:t>
             </a:fld>
             <a:endParaRPr lang="it-IT"/>
           </a:p>
@@ -1349,7 +1349,7 @@
           <a:p>
             <a:fld id="{2FDCBEE4-315A-8E42-835E-29A1DAE07625}" type="datetimeFigureOut">
               <a:rPr lang="it-IT" smtClean="0"/>
-              <a:t>20/06/2024</a:t>
+              <a:t>21/06/2024</a:t>
             </a:fld>
             <a:endParaRPr lang="it-IT"/>
           </a:p>
@@ -1618,7 +1618,7 @@
           <a:p>
             <a:fld id="{2FDCBEE4-315A-8E42-835E-29A1DAE07625}" type="datetimeFigureOut">
               <a:rPr lang="it-IT" smtClean="0"/>
-              <a:t>20/06/2024</a:t>
+              <a:t>21/06/2024</a:t>
             </a:fld>
             <a:endParaRPr lang="it-IT"/>
           </a:p>
@@ -1927,7 +1927,7 @@
           <a:p>
             <a:fld id="{2FDCBEE4-315A-8E42-835E-29A1DAE07625}" type="datetimeFigureOut">
               <a:rPr lang="it-IT" smtClean="0"/>
-              <a:t>20/06/2024</a:t>
+              <a:t>21/06/2024</a:t>
             </a:fld>
             <a:endParaRPr lang="it-IT"/>
           </a:p>
@@ -2370,7 +2370,7 @@
           <a:p>
             <a:fld id="{2FDCBEE4-315A-8E42-835E-29A1DAE07625}" type="datetimeFigureOut">
               <a:rPr lang="it-IT" smtClean="0"/>
-              <a:t>20/06/2024</a:t>
+              <a:t>21/06/2024</a:t>
             </a:fld>
             <a:endParaRPr lang="it-IT"/>
           </a:p>
@@ -2511,7 +2511,7 @@
           <a:p>
             <a:fld id="{2FDCBEE4-315A-8E42-835E-29A1DAE07625}" type="datetimeFigureOut">
               <a:rPr lang="it-IT" smtClean="0"/>
-              <a:t>20/06/2024</a:t>
+              <a:t>21/06/2024</a:t>
             </a:fld>
             <a:endParaRPr lang="it-IT"/>
           </a:p>
@@ -2630,7 +2630,7 @@
           <a:p>
             <a:fld id="{2FDCBEE4-315A-8E42-835E-29A1DAE07625}" type="datetimeFigureOut">
               <a:rPr lang="it-IT" smtClean="0"/>
-              <a:t>20/06/2024</a:t>
+              <a:t>21/06/2024</a:t>
             </a:fld>
             <a:endParaRPr lang="it-IT"/>
           </a:p>
@@ -2929,7 +2929,7 @@
           <a:p>
             <a:fld id="{2FDCBEE4-315A-8E42-835E-29A1DAE07625}" type="datetimeFigureOut">
               <a:rPr lang="it-IT" smtClean="0"/>
-              <a:t>20/06/2024</a:t>
+              <a:t>21/06/2024</a:t>
             </a:fld>
             <a:endParaRPr lang="it-IT"/>
           </a:p>
@@ -3205,7 +3205,7 @@
           <a:p>
             <a:fld id="{2FDCBEE4-315A-8E42-835E-29A1DAE07625}" type="datetimeFigureOut">
               <a:rPr lang="it-IT" smtClean="0"/>
-              <a:t>20/06/2024</a:t>
+              <a:t>21/06/2024</a:t>
             </a:fld>
             <a:endParaRPr lang="it-IT"/>
           </a:p>
@@ -4046,10 +4046,15 @@
             <p:ph type="title"/>
           </p:nvPr>
         </p:nvSpPr>
-        <p:spPr/>
+        <p:spPr>
+          <a:xfrm>
+            <a:off x="0" y="1"/>
+            <a:ext cx="9143999" cy="879328"/>
+          </a:xfrm>
+        </p:spPr>
         <p:txBody>
           <a:bodyPr>
-            <a:normAutofit fontScale="90000"/>
+            <a:normAutofit/>
           </a:bodyPr>
           <a:lstStyle/>
           <a:p>
@@ -4074,8 +4079,8 @@
         </p:nvSpPr>
         <p:spPr>
           <a:xfrm>
-            <a:off x="620486" y="1926770"/>
-            <a:ext cx="8180614" cy="646331"/>
+            <a:off x="0" y="952549"/>
+            <a:ext cx="2509838" cy="4524315"/>
           </a:xfrm>
           <a:prstGeom prst="rect">
             <a:avLst/>
@@ -4090,11 +4095,555 @@
           <a:p>
             <a:r>
               <a:rPr lang="en-US" dirty="0"/>
-              <a:t>Include also the frameworks and tools that the group would like to use (programming languages, DBMSs, etc..)</a:t>
-            </a:r>
-          </a:p>
-        </p:txBody>
-      </p:sp>
+              <a:t>Programming language :</a:t>
+            </a:r>
+          </a:p>
+          <a:p>
+            <a:pPr marL="285750" indent="-285750">
+              <a:buFont typeface="Arial" panose="020B0604020202020204" pitchFamily="34" charset="0"/>
+              <a:buChar char="•"/>
+            </a:pPr>
+            <a:r>
+              <a:rPr lang="en-US" dirty="0"/>
+              <a:t>Java</a:t>
+            </a:r>
+          </a:p>
+          <a:p>
+            <a:pPr marL="285750" indent="-285750">
+              <a:buFont typeface="Arial" panose="020B0604020202020204" pitchFamily="34" charset="0"/>
+              <a:buChar char="•"/>
+            </a:pPr>
+            <a:r>
+              <a:rPr lang="en-US" dirty="0"/>
+              <a:t>Python</a:t>
+            </a:r>
+          </a:p>
+          <a:p>
+            <a:pPr marL="285750" indent="-285750">
+              <a:buFont typeface="Arial" panose="020B0604020202020204" pitchFamily="34" charset="0"/>
+              <a:buChar char="•"/>
+            </a:pPr>
+            <a:endParaRPr lang="en-US" dirty="0"/>
+          </a:p>
+          <a:p>
+            <a:r>
+              <a:rPr lang="en-US" dirty="0"/>
+              <a:t>Frameworks :</a:t>
+            </a:r>
+          </a:p>
+          <a:p>
+            <a:pPr marL="285750" indent="-285750">
+              <a:buFont typeface="Arial" panose="020B0604020202020204" pitchFamily="34" charset="0"/>
+              <a:buChar char="•"/>
+            </a:pPr>
+            <a:r>
+              <a:rPr lang="en-US" dirty="0"/>
+              <a:t>Maven</a:t>
+            </a:r>
+          </a:p>
+          <a:p>
+            <a:pPr marL="285750" indent="-285750">
+              <a:buFont typeface="Arial" panose="020B0604020202020204" pitchFamily="34" charset="0"/>
+              <a:buChar char="•"/>
+            </a:pPr>
+            <a:r>
+              <a:rPr lang="en-US" dirty="0"/>
+              <a:t>Java FX</a:t>
+            </a:r>
+          </a:p>
+          <a:p>
+            <a:endParaRPr lang="en-US" dirty="0"/>
+          </a:p>
+          <a:p>
+            <a:r>
+              <a:rPr lang="en-US" dirty="0"/>
+              <a:t>DBMS :</a:t>
+            </a:r>
+          </a:p>
+          <a:p>
+            <a:pPr marL="285750" indent="-285750">
+              <a:buFont typeface="Arial" panose="020B0604020202020204" pitchFamily="34" charset="0"/>
+              <a:buChar char="•"/>
+            </a:pPr>
+            <a:r>
+              <a:rPr lang="en-US" dirty="0"/>
+              <a:t>MongoDB</a:t>
+            </a:r>
+          </a:p>
+          <a:p>
+            <a:pPr marL="285750" indent="-285750">
+              <a:buFont typeface="Arial" panose="020B0604020202020204" pitchFamily="34" charset="0"/>
+              <a:buChar char="•"/>
+            </a:pPr>
+            <a:r>
+              <a:rPr lang="en-US" dirty="0"/>
+              <a:t>Neo4j</a:t>
+            </a:r>
+          </a:p>
+          <a:p>
+            <a:endParaRPr lang="en-US" dirty="0"/>
+          </a:p>
+          <a:p>
+            <a:r>
+              <a:rPr lang="en-US" dirty="0"/>
+              <a:t>Web Side :</a:t>
+            </a:r>
+          </a:p>
+          <a:p>
+            <a:pPr marL="285750" indent="-285750">
+              <a:buFont typeface="Arial" panose="020B0604020202020204" pitchFamily="34" charset="0"/>
+              <a:buChar char="•"/>
+            </a:pPr>
+            <a:r>
+              <a:rPr lang="en-US" dirty="0"/>
+              <a:t>HTML</a:t>
+            </a:r>
+          </a:p>
+          <a:p>
+            <a:pPr marL="285750" indent="-285750">
+              <a:buFont typeface="Arial" panose="020B0604020202020204" pitchFamily="34" charset="0"/>
+              <a:buChar char="•"/>
+            </a:pPr>
+            <a:r>
+              <a:rPr lang="en-US" dirty="0"/>
+              <a:t>CSS</a:t>
+            </a:r>
+          </a:p>
+          <a:p>
+            <a:pPr marL="285750" indent="-285750">
+              <a:buFont typeface="Arial" panose="020B0604020202020204" pitchFamily="34" charset="0"/>
+              <a:buChar char="•"/>
+            </a:pPr>
+            <a:r>
+              <a:rPr lang="en-US" dirty="0"/>
+              <a:t>JS</a:t>
+            </a:r>
+          </a:p>
+        </p:txBody>
+      </p:sp>
+      <p:pic>
+        <p:nvPicPr>
+          <p:cNvPr id="2050" name="Picture 2">
+            <a:extLst>
+              <a:ext uri="{FF2B5EF4-FFF2-40B4-BE49-F238E27FC236}">
+                <a16:creationId xmlns:a16="http://schemas.microsoft.com/office/drawing/2014/main" id="{3C4B3431-C28E-490A-EBBC-7A5BCC461C9D}"/>
+              </a:ext>
+            </a:extLst>
+          </p:cNvPr>
+          <p:cNvPicPr>
+            <a:picLocks noChangeAspect="1" noChangeArrowheads="1"/>
+          </p:cNvPicPr>
+          <p:nvPr/>
+        </p:nvPicPr>
+        <p:blipFill>
+          <a:blip r:embed="rId2">
+            <a:extLst>
+              <a:ext uri="{28A0092B-C50C-407E-A947-70E740481C1C}">
+                <a14:useLocalDpi xmlns:a14="http://schemas.microsoft.com/office/drawing/2010/main" val="0"/>
+              </a:ext>
+            </a:extLst>
+          </a:blip>
+          <a:srcRect/>
+          <a:stretch>
+            <a:fillRect/>
+          </a:stretch>
+        </p:blipFill>
+        <p:spPr bwMode="auto">
+          <a:xfrm>
+            <a:off x="2509838" y="3333444"/>
+            <a:ext cx="3262855" cy="874114"/>
+          </a:xfrm>
+          <a:prstGeom prst="rect">
+            <a:avLst/>
+          </a:prstGeom>
+          <a:noFill/>
+          <a:extLst>
+            <a:ext uri="{909E8E84-426E-40DD-AFC4-6F175D3DCCD1}">
+              <a14:hiddenFill xmlns:a14="http://schemas.microsoft.com/office/drawing/2010/main">
+                <a:solidFill>
+                  <a:srgbClr val="FFFFFF"/>
+                </a:solidFill>
+              </a14:hiddenFill>
+            </a:ext>
+          </a:extLst>
+        </p:spPr>
+      </p:pic>
+      <p:pic>
+        <p:nvPicPr>
+          <p:cNvPr id="2052" name="Picture 4">
+            <a:extLst>
+              <a:ext uri="{FF2B5EF4-FFF2-40B4-BE49-F238E27FC236}">
+                <a16:creationId xmlns:a16="http://schemas.microsoft.com/office/drawing/2014/main" id="{7F4F0BCC-35CE-3A36-0E39-D45AE54F3984}"/>
+              </a:ext>
+            </a:extLst>
+          </p:cNvPr>
+          <p:cNvPicPr>
+            <a:picLocks noChangeAspect="1" noChangeArrowheads="1"/>
+          </p:cNvPicPr>
+          <p:nvPr/>
+        </p:nvPicPr>
+        <p:blipFill>
+          <a:blip r:embed="rId3">
+            <a:extLst>
+              <a:ext uri="{28A0092B-C50C-407E-A947-70E740481C1C}">
+                <a14:useLocalDpi xmlns:a14="http://schemas.microsoft.com/office/drawing/2010/main" val="0"/>
+              </a:ext>
+            </a:extLst>
+          </a:blip>
+          <a:srcRect/>
+          <a:stretch>
+            <a:fillRect/>
+          </a:stretch>
+        </p:blipFill>
+        <p:spPr bwMode="auto">
+          <a:xfrm>
+            <a:off x="6276506" y="3333444"/>
+            <a:ext cx="2329110" cy="874115"/>
+          </a:xfrm>
+          <a:prstGeom prst="rect">
+            <a:avLst/>
+          </a:prstGeom>
+          <a:noFill/>
+          <a:extLst>
+            <a:ext uri="{909E8E84-426E-40DD-AFC4-6F175D3DCCD1}">
+              <a14:hiddenFill xmlns:a14="http://schemas.microsoft.com/office/drawing/2010/main">
+                <a:solidFill>
+                  <a:srgbClr val="FFFFFF"/>
+                </a:solidFill>
+              </a14:hiddenFill>
+            </a:ext>
+          </a:extLst>
+        </p:spPr>
+      </p:pic>
+      <p:pic>
+        <p:nvPicPr>
+          <p:cNvPr id="2054" name="Picture 6" descr="Java Logo, symbol, meaning, history, PNG, brand">
+            <a:extLst>
+              <a:ext uri="{FF2B5EF4-FFF2-40B4-BE49-F238E27FC236}">
+                <a16:creationId xmlns:a16="http://schemas.microsoft.com/office/drawing/2014/main" id="{076F3D49-E7E7-679A-F63A-D4338B87939F}"/>
+              </a:ext>
+            </a:extLst>
+          </p:cNvPr>
+          <p:cNvPicPr>
+            <a:picLocks noChangeAspect="1" noChangeArrowheads="1"/>
+          </p:cNvPicPr>
+          <p:nvPr/>
+        </p:nvPicPr>
+        <p:blipFill>
+          <a:blip r:embed="rId4">
+            <a:extLst>
+              <a:ext uri="{28A0092B-C50C-407E-A947-70E740481C1C}">
+                <a14:useLocalDpi xmlns:a14="http://schemas.microsoft.com/office/drawing/2010/main" val="0"/>
+              </a:ext>
+            </a:extLst>
+          </a:blip>
+          <a:srcRect/>
+          <a:stretch>
+            <a:fillRect/>
+          </a:stretch>
+        </p:blipFill>
+        <p:spPr bwMode="auto">
+          <a:xfrm>
+            <a:off x="3128174" y="878852"/>
+            <a:ext cx="2026181" cy="1139726"/>
+          </a:xfrm>
+          <a:prstGeom prst="rect">
+            <a:avLst/>
+          </a:prstGeom>
+          <a:noFill/>
+          <a:extLst>
+            <a:ext uri="{909E8E84-426E-40DD-AFC4-6F175D3DCCD1}">
+              <a14:hiddenFill xmlns:a14="http://schemas.microsoft.com/office/drawing/2010/main">
+                <a:solidFill>
+                  <a:srgbClr val="FFFFFF"/>
+                </a:solidFill>
+              </a14:hiddenFill>
+            </a:ext>
+          </a:extLst>
+        </p:spPr>
+      </p:pic>
+      <p:pic>
+        <p:nvPicPr>
+          <p:cNvPr id="2056" name="Picture 8">
+            <a:extLst>
+              <a:ext uri="{FF2B5EF4-FFF2-40B4-BE49-F238E27FC236}">
+                <a16:creationId xmlns:a16="http://schemas.microsoft.com/office/drawing/2014/main" id="{536AB451-F534-DE35-1B4F-42456C7AE7A2}"/>
+              </a:ext>
+            </a:extLst>
+          </p:cNvPr>
+          <p:cNvPicPr>
+            <a:picLocks noChangeAspect="1" noChangeArrowheads="1"/>
+          </p:cNvPicPr>
+          <p:nvPr/>
+        </p:nvPicPr>
+        <p:blipFill>
+          <a:blip r:embed="rId5">
+            <a:extLst>
+              <a:ext uri="{28A0092B-C50C-407E-A947-70E740481C1C}">
+                <a14:useLocalDpi xmlns:a14="http://schemas.microsoft.com/office/drawing/2010/main" val="0"/>
+              </a:ext>
+            </a:extLst>
+          </a:blip>
+          <a:srcRect/>
+          <a:stretch>
+            <a:fillRect/>
+          </a:stretch>
+        </p:blipFill>
+        <p:spPr bwMode="auto">
+          <a:xfrm>
+            <a:off x="7033103" y="879329"/>
+            <a:ext cx="1037228" cy="1139726"/>
+          </a:xfrm>
+          <a:prstGeom prst="rect">
+            <a:avLst/>
+          </a:prstGeom>
+          <a:noFill/>
+          <a:extLst>
+            <a:ext uri="{909E8E84-426E-40DD-AFC4-6F175D3DCCD1}">
+              <a14:hiddenFill xmlns:a14="http://schemas.microsoft.com/office/drawing/2010/main">
+                <a:solidFill>
+                  <a:srgbClr val="FFFFFF"/>
+                </a:solidFill>
+              </a14:hiddenFill>
+            </a:ext>
+          </a:extLst>
+        </p:spPr>
+      </p:pic>
+      <p:pic>
+        <p:nvPicPr>
+          <p:cNvPr id="2058" name="Picture 10">
+            <a:extLst>
+              <a:ext uri="{FF2B5EF4-FFF2-40B4-BE49-F238E27FC236}">
+                <a16:creationId xmlns:a16="http://schemas.microsoft.com/office/drawing/2014/main" id="{DBA83636-414D-16DC-AE50-5B47CB280087}"/>
+              </a:ext>
+            </a:extLst>
+          </p:cNvPr>
+          <p:cNvPicPr>
+            <a:picLocks noChangeAspect="1" noChangeArrowheads="1"/>
+          </p:cNvPicPr>
+          <p:nvPr/>
+        </p:nvPicPr>
+        <p:blipFill>
+          <a:blip r:embed="rId6">
+            <a:extLst>
+              <a:ext uri="{28A0092B-C50C-407E-A947-70E740481C1C}">
+                <a14:useLocalDpi xmlns:a14="http://schemas.microsoft.com/office/drawing/2010/main" val="0"/>
+              </a:ext>
+            </a:extLst>
+          </a:blip>
+          <a:srcRect/>
+          <a:stretch>
+            <a:fillRect/>
+          </a:stretch>
+        </p:blipFill>
+        <p:spPr bwMode="auto">
+          <a:xfrm>
+            <a:off x="2414620" y="2165495"/>
+            <a:ext cx="3453290" cy="874114"/>
+          </a:xfrm>
+          <a:prstGeom prst="rect">
+            <a:avLst/>
+          </a:prstGeom>
+          <a:noFill/>
+          <a:extLst>
+            <a:ext uri="{909E8E84-426E-40DD-AFC4-6F175D3DCCD1}">
+              <a14:hiddenFill xmlns:a14="http://schemas.microsoft.com/office/drawing/2010/main">
+                <a:solidFill>
+                  <a:srgbClr val="FFFFFF"/>
+                </a:solidFill>
+              </a14:hiddenFill>
+            </a:ext>
+          </a:extLst>
+        </p:spPr>
+      </p:pic>
+      <p:pic>
+        <p:nvPicPr>
+          <p:cNvPr id="2060" name="Picture 12" descr="JavaFX - Wikipedia">
+            <a:extLst>
+              <a:ext uri="{FF2B5EF4-FFF2-40B4-BE49-F238E27FC236}">
+                <a16:creationId xmlns:a16="http://schemas.microsoft.com/office/drawing/2014/main" id="{11F58490-D4C9-CAA4-247F-CED42A39A7AD}"/>
+              </a:ext>
+            </a:extLst>
+          </p:cNvPr>
+          <p:cNvPicPr>
+            <a:picLocks noChangeAspect="1" noChangeArrowheads="1"/>
+          </p:cNvPicPr>
+          <p:nvPr/>
+        </p:nvPicPr>
+        <p:blipFill>
+          <a:blip r:embed="rId7">
+            <a:extLst>
+              <a:ext uri="{28A0092B-C50C-407E-A947-70E740481C1C}">
+                <a14:useLocalDpi xmlns:a14="http://schemas.microsoft.com/office/drawing/2010/main" val="0"/>
+              </a:ext>
+            </a:extLst>
+          </a:blip>
+          <a:srcRect/>
+          <a:stretch>
+            <a:fillRect/>
+          </a:stretch>
+        </p:blipFill>
+        <p:spPr bwMode="auto">
+          <a:xfrm>
+            <a:off x="6497819" y="2165495"/>
+            <a:ext cx="2107797" cy="879327"/>
+          </a:xfrm>
+          <a:prstGeom prst="rect">
+            <a:avLst/>
+          </a:prstGeom>
+          <a:noFill/>
+          <a:extLst>
+            <a:ext uri="{909E8E84-426E-40DD-AFC4-6F175D3DCCD1}">
+              <a14:hiddenFill xmlns:a14="http://schemas.microsoft.com/office/drawing/2010/main">
+                <a:solidFill>
+                  <a:srgbClr val="FFFFFF"/>
+                </a:solidFill>
+              </a14:hiddenFill>
+            </a:ext>
+          </a:extLst>
+        </p:spPr>
+      </p:pic>
+      <p:pic>
+        <p:nvPicPr>
+          <p:cNvPr id="2062" name="Picture 14">
+            <a:extLst>
+              <a:ext uri="{FF2B5EF4-FFF2-40B4-BE49-F238E27FC236}">
+                <a16:creationId xmlns:a16="http://schemas.microsoft.com/office/drawing/2014/main" id="{45D7C9DC-0BDD-F02B-1CB5-46FE84BB1327}"/>
+              </a:ext>
+            </a:extLst>
+          </p:cNvPr>
+          <p:cNvPicPr>
+            <a:picLocks noChangeAspect="1" noChangeArrowheads="1"/>
+          </p:cNvPicPr>
+          <p:nvPr/>
+        </p:nvPicPr>
+        <p:blipFill>
+          <a:blip r:embed="rId8">
+            <a:extLst>
+              <a:ext uri="{28A0092B-C50C-407E-A947-70E740481C1C}">
+                <a14:useLocalDpi xmlns:a14="http://schemas.microsoft.com/office/drawing/2010/main" val="0"/>
+              </a:ext>
+            </a:extLst>
+          </a:blip>
+          <a:srcRect/>
+          <a:stretch>
+            <a:fillRect/>
+          </a:stretch>
+        </p:blipFill>
+        <p:spPr bwMode="auto">
+          <a:xfrm>
+            <a:off x="3382499" y="4651122"/>
+            <a:ext cx="1328026" cy="1328026"/>
+          </a:xfrm>
+          <a:prstGeom prst="rect">
+            <a:avLst/>
+          </a:prstGeom>
+          <a:noFill/>
+          <a:extLst>
+            <a:ext uri="{909E8E84-426E-40DD-AFC4-6F175D3DCCD1}">
+              <a14:hiddenFill xmlns:a14="http://schemas.microsoft.com/office/drawing/2010/main">
+                <a:solidFill>
+                  <a:srgbClr val="FFFFFF"/>
+                </a:solidFill>
+              </a14:hiddenFill>
+            </a:ext>
+          </a:extLst>
+        </p:spPr>
+      </p:pic>
+      <p:pic>
+        <p:nvPicPr>
+          <p:cNvPr id="2066" name="Picture 18">
+            <a:extLst>
+              <a:ext uri="{FF2B5EF4-FFF2-40B4-BE49-F238E27FC236}">
+                <a16:creationId xmlns:a16="http://schemas.microsoft.com/office/drawing/2014/main" id="{CF0D1647-D923-B860-33F0-69B35385B8A2}"/>
+              </a:ext>
+            </a:extLst>
+          </p:cNvPr>
+          <p:cNvPicPr>
+            <a:picLocks noChangeAspect="1" noChangeArrowheads="1"/>
+          </p:cNvPicPr>
+          <p:nvPr/>
+        </p:nvPicPr>
+        <p:blipFill>
+          <a:blip r:embed="rId9">
+            <a:extLst>
+              <a:ext uri="{28A0092B-C50C-407E-A947-70E740481C1C}">
+                <a14:useLocalDpi xmlns:a14="http://schemas.microsoft.com/office/drawing/2010/main" val="0"/>
+              </a:ext>
+            </a:extLst>
+          </a:blip>
+          <a:srcRect/>
+          <a:stretch>
+            <a:fillRect/>
+          </a:stretch>
+        </p:blipFill>
+        <p:spPr bwMode="auto">
+          <a:xfrm>
+            <a:off x="7255408" y="4650645"/>
+            <a:ext cx="941607" cy="1328026"/>
+          </a:xfrm>
+          <a:prstGeom prst="rect">
+            <a:avLst/>
+          </a:prstGeom>
+          <a:noFill/>
+          <a:extLst>
+            <a:ext uri="{909E8E84-426E-40DD-AFC4-6F175D3DCCD1}">
+              <a14:hiddenFill xmlns:a14="http://schemas.microsoft.com/office/drawing/2010/main">
+                <a:solidFill>
+                  <a:srgbClr val="FFFFFF"/>
+                </a:solidFill>
+              </a14:hiddenFill>
+            </a:ext>
+          </a:extLst>
+        </p:spPr>
+      </p:pic>
+      <p:pic>
+        <p:nvPicPr>
+          <p:cNvPr id="2068" name="Picture 20" descr="js-logo – The International Conference On Missions">
+            <a:extLst>
+              <a:ext uri="{FF2B5EF4-FFF2-40B4-BE49-F238E27FC236}">
+                <a16:creationId xmlns:a16="http://schemas.microsoft.com/office/drawing/2014/main" id="{B905BBED-CAF7-DC01-963E-E768F3049AC5}"/>
+              </a:ext>
+            </a:extLst>
+          </p:cNvPr>
+          <p:cNvPicPr>
+            <a:picLocks noChangeAspect="1" noChangeArrowheads="1"/>
+          </p:cNvPicPr>
+          <p:nvPr/>
+        </p:nvPicPr>
+        <p:blipFill>
+          <a:blip r:embed="rId10">
+            <a:extLst>
+              <a:ext uri="{28A0092B-C50C-407E-A947-70E740481C1C}">
+                <a14:useLocalDpi xmlns:a14="http://schemas.microsoft.com/office/drawing/2010/main" val="0"/>
+              </a:ext>
+            </a:extLst>
+          </a:blip>
+          <a:srcRect/>
+          <a:stretch>
+            <a:fillRect/>
+          </a:stretch>
+        </p:blipFill>
+        <p:spPr bwMode="auto">
+          <a:xfrm>
+            <a:off x="5208545" y="4651121"/>
+            <a:ext cx="1328027" cy="1328027"/>
+          </a:xfrm>
+          <a:prstGeom prst="rect">
+            <a:avLst/>
+          </a:prstGeom>
+          <a:noFill/>
+          <a:extLst>
+            <a:ext uri="{909E8E84-426E-40DD-AFC4-6F175D3DCCD1}">
+              <a14:hiddenFill xmlns:a14="http://schemas.microsoft.com/office/drawing/2010/main">
+                <a:solidFill>
+                  <a:srgbClr val="FFFFFF"/>
+                </a:solidFill>
+              </a14:hiddenFill>
+            </a:ext>
+          </a:extLst>
+        </p:spPr>
+      </p:pic>
     </p:spTree>
     <p:extLst>
       <p:ext uri="{BB962C8B-B14F-4D97-AF65-F5344CB8AC3E}">
@@ -4524,7 +5073,7 @@
         <p:spPr>
           <a:xfrm>
             <a:off x="397485" y="933746"/>
-            <a:ext cx="8349029" cy="6124754"/>
+            <a:ext cx="8349029" cy="4616648"/>
           </a:xfrm>
           <a:prstGeom prst="rect">
             <a:avLst/>
@@ -4572,7 +5121,7 @@
             </a:r>
             <a:r>
               <a:rPr lang="en-US" sz="1400" b="1" i="1" dirty="0"/>
-              <a:t>, user data) </a:t>
+              <a:t>, user data, reviews) </a:t>
             </a:r>
           </a:p>
           <a:p>
@@ -4600,7 +5149,7 @@
             </a:r>
           </a:p>
           <a:p>
-            <a:pPr marL="285750" indent="-285750">
+            <a:pPr marL="285750" lvl="0" indent="-285750">
               <a:buFont typeface="Arial" panose="020B0604020202020204" pitchFamily="34" charset="0"/>
               <a:buChar char="•"/>
             </a:pPr>
@@ -4608,7 +5157,7 @@
               <a:rPr lang="en-US" sz="1400" b="1" i="1" dirty="0">
                 <a:hlinkClick r:id="rId4"/>
               </a:rPr>
-              <a:t>https://www.name-generator.org.uk/quick/</a:t>
+              <a:t>https://1000randomnames.com/</a:t>
             </a:r>
             <a:r>
               <a:rPr lang="en-US" sz="1400" b="1" i="1" dirty="0"/>
@@ -4616,37 +5165,6 @@
             </a:r>
           </a:p>
           <a:p>
-            <a:pPr marL="285750" indent="-285750">
-              <a:buFont typeface="Arial" panose="020B0604020202020204" pitchFamily="34" charset="0"/>
-              <a:buChar char="•"/>
-            </a:pPr>
-            <a:r>
-              <a:rPr lang="en-US" sz="1400" b="1" i="1" dirty="0">
-                <a:hlinkClick r:id="rId5"/>
-              </a:rPr>
-              <a:t>https://1000randomnames.com/</a:t>
-            </a:r>
-            <a:r>
-              <a:rPr lang="en-US" sz="1400" b="1" i="1" dirty="0"/>
-              <a:t> (user data)</a:t>
-            </a:r>
-          </a:p>
-          <a:p>
-            <a:pPr marL="285750" indent="-285750">
-              <a:buFont typeface="Arial" panose="020B0604020202020204" pitchFamily="34" charset="0"/>
-              <a:buChar char="•"/>
-            </a:pPr>
-            <a:endParaRPr lang="en-US" sz="1400" b="1" i="1" dirty="0"/>
-          </a:p>
-          <a:p>
-            <a:pPr marL="285750" lvl="0" indent="-285750">
-              <a:buFontTx/>
-              <a:buChar char="-"/>
-            </a:pPr>
-            <a:endParaRPr lang="en-US" sz="1400" b="1" i="1" dirty="0"/>
-          </a:p>
-          <a:p>
-            <a:pPr lvl="0"/>
             <a:endParaRPr lang="en-US" sz="1400" b="1" i="1" dirty="0"/>
           </a:p>
           <a:p>
@@ -4746,12 +5264,12 @@
               <a:buChar char="-"/>
             </a:pPr>
             <a:r>
-              <a:rPr lang="en-US" sz="1400" dirty="0" err="1"/>
-              <a:t>Anime_info</a:t>
-            </a:r>
-            <a:r>
               <a:rPr lang="en-US" sz="1400" dirty="0"/>
-              <a:t> and images : 47.3 MB</a:t>
+              <a:t>Reviews : </a:t>
+            </a:r>
+            <a:r>
+              <a:rPr lang="en-US" sz="1400" b="1" dirty="0"/>
+              <a:t>654,14 MB</a:t>
             </a:r>
           </a:p>
           <a:p>
@@ -4760,8 +5278,16 @@
               <a:buChar char="-"/>
             </a:pPr>
             <a:r>
+              <a:rPr lang="en-US" sz="1400" dirty="0" err="1"/>
+              <a:t>Anime_info</a:t>
+            </a:r>
+            <a:r>
               <a:rPr lang="en-US" sz="1400" dirty="0"/>
-              <a:t>a</a:t>
+              <a:t> and images : </a:t>
+            </a:r>
+            <a:r>
+              <a:rPr lang="en-US" sz="1400" b="1" dirty="0"/>
+              <a:t>47.31 MB</a:t>
             </a:r>
           </a:p>
           <a:p>
@@ -4769,7 +5295,18 @@
               <a:buFontTx/>
               <a:buChar char="-"/>
             </a:pPr>
-            <a:endParaRPr lang="en-US" sz="1400" b="1" dirty="0"/>
+            <a:r>
+              <a:rPr lang="en-US" sz="1400" dirty="0" err="1"/>
+              <a:t>User_data</a:t>
+            </a:r>
+            <a:r>
+              <a:rPr lang="en-US" sz="1400" dirty="0"/>
+              <a:t> (125.000 names and surnames): </a:t>
+            </a:r>
+            <a:r>
+              <a:rPr lang="en-US" sz="1400" b="1" dirty="0"/>
+              <a:t>1.826 KB</a:t>
+            </a:r>
           </a:p>
           <a:p>
             <a:pPr lvl="0"/>
@@ -4778,17 +5315,6 @@
           <a:p>
             <a:pPr lvl="0"/>
             <a:r>
-              <a:rPr lang="en-US" sz="1400" dirty="0"/>
-              <a:t>The initial volume of the scraped DB was about 2.5GB</a:t>
-            </a:r>
-          </a:p>
-          <a:p>
-            <a:pPr lvl="0"/>
-            <a:endParaRPr lang="en-US" sz="1400" b="1" i="1" dirty="0"/>
-          </a:p>
-          <a:p>
-            <a:pPr lvl="0"/>
-            <a:r>
               <a:rPr lang="en-US" sz="1400" b="1" i="1" dirty="0"/>
               <a:t>Variety</a:t>
             </a:r>
@@ -4801,7 +5327,7 @@
             <a:pPr lvl="0"/>
             <a:r>
               <a:rPr lang="en-US" sz="1400" dirty="0"/>
-              <a:t>The data comes from the complete database of the original website, and have the same distribution as the real users</a:t>
+              <a:t>Three different sources have been used to build the dataset</a:t>
             </a:r>
           </a:p>
           <a:p>
@@ -4934,10 +5460,10 @@
       </p:grpSpPr>
       <p:sp>
         <p:nvSpPr>
-          <p:cNvPr id="2" name="Titolo 1">
+          <p:cNvPr id="2" name="Title 1">
             <a:extLst>
               <a:ext uri="{FF2B5EF4-FFF2-40B4-BE49-F238E27FC236}">
-                <a16:creationId xmlns:a16="http://schemas.microsoft.com/office/drawing/2014/main" id="{B8C7EEC7-48BB-B542-9A2A-E3C09D99B916}"/>
+                <a16:creationId xmlns:a16="http://schemas.microsoft.com/office/drawing/2014/main" id="{58D2F9C6-C3CF-5E0C-BBF5-D54C937E6ED5}"/>
               </a:ext>
             </a:extLst>
           </p:cNvPr>
@@ -4950,8 +5476,8 @@
         </p:nvSpPr>
         <p:spPr>
           <a:xfrm>
-            <a:off x="182741" y="90093"/>
-            <a:ext cx="8761797" cy="889621"/>
+            <a:off x="182741" y="1398673"/>
+            <a:ext cx="8761797" cy="4044998"/>
           </a:xfrm>
         </p:spPr>
         <p:txBody>
@@ -4960,47 +5486,410 @@
           </a:bodyPr>
           <a:lstStyle/>
           <a:p>
-            <a:r>
-              <a:rPr lang="en-US" dirty="0"/>
-              <a:t>CAP Theorem</a:t>
-            </a:r>
-          </a:p>
-        </p:txBody>
-      </p:sp>
-      <p:pic>
-        <p:nvPicPr>
-          <p:cNvPr id="4" name="Picture 3">
+            <a:pPr algn="l"/>
+            <a:r>
+              <a:rPr lang="it-IT" sz="1800" dirty="0"/>
+              <a:t>Product </a:t>
+            </a:r>
+            <a:r>
+              <a:rPr lang="it-IT" sz="1800" dirty="0" err="1"/>
+              <a:t>Requirements</a:t>
+            </a:r>
+            <a:r>
+              <a:rPr lang="it-IT" sz="1800" dirty="0"/>
+              <a:t> :</a:t>
+            </a:r>
+            <a:br>
+              <a:rPr lang="it-IT" sz="1800" dirty="0"/>
+            </a:br>
+            <a:r>
+              <a:rPr lang="it-IT" sz="1800" dirty="0"/>
+              <a:t>-	</a:t>
+            </a:r>
+            <a:r>
+              <a:rPr lang="it-IT" sz="1800" b="1" dirty="0" err="1"/>
+              <a:t>Usability</a:t>
+            </a:r>
+            <a:r>
+              <a:rPr lang="it-IT" sz="1800" dirty="0"/>
+              <a:t> : the </a:t>
+            </a:r>
+            <a:r>
+              <a:rPr lang="it-IT" sz="1800" dirty="0" err="1"/>
+              <a:t>application</a:t>
+            </a:r>
+            <a:r>
+              <a:rPr lang="it-IT" sz="1800" dirty="0"/>
+              <a:t> must be </a:t>
+            </a:r>
+            <a:r>
+              <a:rPr lang="it-IT" sz="1800" dirty="0" err="1"/>
+              <a:t>simple</a:t>
+            </a:r>
+            <a:r>
+              <a:rPr lang="it-IT" sz="1800" dirty="0"/>
+              <a:t> and user friendly</a:t>
+            </a:r>
+            <a:br>
+              <a:rPr lang="it-IT" sz="1800" dirty="0"/>
+            </a:br>
+            <a:r>
+              <a:rPr lang="it-IT" sz="1800" dirty="0"/>
+              <a:t>-	</a:t>
+            </a:r>
+            <a:r>
+              <a:rPr lang="it-IT" sz="1800" b="1" dirty="0"/>
+              <a:t>High </a:t>
+            </a:r>
+            <a:r>
+              <a:rPr lang="it-IT" sz="1800" b="1" dirty="0" err="1"/>
+              <a:t>availability</a:t>
+            </a:r>
+            <a:r>
+              <a:rPr lang="it-IT" sz="1800" dirty="0"/>
+              <a:t> : the </a:t>
+            </a:r>
+            <a:r>
+              <a:rPr lang="it-IT" sz="1800" dirty="0" err="1"/>
+              <a:t>displayed</a:t>
+            </a:r>
+            <a:r>
+              <a:rPr lang="it-IT" sz="1800" dirty="0"/>
+              <a:t> data </a:t>
+            </a:r>
+            <a:r>
+              <a:rPr lang="it-IT" sz="1800" dirty="0" err="1"/>
+              <a:t>might</a:t>
+            </a:r>
+            <a:r>
+              <a:rPr lang="it-IT" sz="1800" dirty="0"/>
+              <a:t> </a:t>
+            </a:r>
+            <a:r>
+              <a:rPr lang="it-IT" sz="1800" dirty="0" err="1"/>
+              <a:t>not</a:t>
+            </a:r>
+            <a:r>
+              <a:rPr lang="it-IT" sz="1800" dirty="0"/>
+              <a:t> be up to date</a:t>
+            </a:r>
+            <a:br>
+              <a:rPr lang="it-IT" sz="1800" dirty="0"/>
+            </a:br>
+            <a:r>
+              <a:rPr lang="it-IT" sz="1800" dirty="0"/>
+              <a:t>-	</a:t>
+            </a:r>
+            <a:r>
+              <a:rPr lang="it-IT" sz="1800" b="1" dirty="0"/>
+              <a:t>Low </a:t>
+            </a:r>
+            <a:r>
+              <a:rPr lang="it-IT" sz="1800" b="1" dirty="0" err="1"/>
+              <a:t>latency</a:t>
+            </a:r>
+            <a:r>
+              <a:rPr lang="it-IT" sz="1800" dirty="0"/>
+              <a:t> : </a:t>
+            </a:r>
+            <a:r>
+              <a:rPr lang="it-IT" sz="1800" dirty="0" err="1"/>
+              <a:t>we</a:t>
+            </a:r>
+            <a:r>
+              <a:rPr lang="it-IT" sz="1800" dirty="0"/>
+              <a:t> </a:t>
+            </a:r>
+            <a:r>
+              <a:rPr lang="it-IT" sz="1800" dirty="0" err="1"/>
+              <a:t>want</a:t>
+            </a:r>
+            <a:r>
+              <a:rPr lang="it-IT" sz="1800" dirty="0"/>
+              <a:t> a responsive </a:t>
+            </a:r>
+            <a:r>
+              <a:rPr lang="it-IT" sz="1800" dirty="0" err="1"/>
+              <a:t>application</a:t>
+            </a:r>
+            <a:r>
+              <a:rPr lang="it-IT" sz="1800" dirty="0"/>
+              <a:t>, </a:t>
+            </a:r>
+            <a:r>
+              <a:rPr lang="it-IT" sz="1800" dirty="0" err="1"/>
+              <a:t>therefore</a:t>
+            </a:r>
+            <a:r>
+              <a:rPr lang="it-IT" sz="1800" dirty="0"/>
+              <a:t> </a:t>
+            </a:r>
+            <a:r>
+              <a:rPr lang="it-IT" sz="1800" dirty="0" err="1"/>
+              <a:t>accessing</a:t>
+            </a:r>
+            <a:r>
+              <a:rPr lang="it-IT" sz="1800" dirty="0"/>
+              <a:t> the databases must be </a:t>
+            </a:r>
+            <a:r>
+              <a:rPr lang="it-IT" sz="1800" dirty="0" err="1"/>
+              <a:t>quick</a:t>
+            </a:r>
+            <a:br>
+              <a:rPr lang="it-IT" sz="1800" dirty="0"/>
+            </a:br>
+            <a:r>
+              <a:rPr lang="it-IT" sz="1800" dirty="0"/>
+              <a:t>-	</a:t>
+            </a:r>
+            <a:r>
+              <a:rPr lang="it-IT" sz="1800" b="1" dirty="0" err="1"/>
+              <a:t>Tolerance</a:t>
+            </a:r>
+            <a:r>
+              <a:rPr lang="it-IT" sz="1800" dirty="0"/>
+              <a:t> : data </a:t>
+            </a:r>
+            <a:r>
+              <a:rPr lang="it-IT" sz="1800" dirty="0" err="1"/>
+              <a:t>loss</a:t>
+            </a:r>
+            <a:r>
+              <a:rPr lang="it-IT" sz="1800" dirty="0"/>
+              <a:t> </a:t>
+            </a:r>
+            <a:r>
+              <a:rPr lang="it-IT" sz="1800" dirty="0" err="1"/>
+              <a:t>is</a:t>
+            </a:r>
+            <a:r>
+              <a:rPr lang="it-IT" sz="1800" dirty="0"/>
+              <a:t> </a:t>
+            </a:r>
+            <a:r>
+              <a:rPr lang="it-IT" sz="1800" dirty="0" err="1"/>
+              <a:t>tolerated</a:t>
+            </a:r>
+            <a:r>
+              <a:rPr lang="it-IT" sz="1800" dirty="0"/>
+              <a:t>, </a:t>
+            </a:r>
+            <a:r>
+              <a:rPr lang="it-IT" sz="1800" dirty="0" err="1"/>
+              <a:t>but</a:t>
+            </a:r>
+            <a:r>
+              <a:rPr lang="it-IT" sz="1800" dirty="0"/>
+              <a:t> </a:t>
+            </a:r>
+            <a:r>
+              <a:rPr lang="it-IT" sz="1800" dirty="0" err="1"/>
+              <a:t>we</a:t>
+            </a:r>
+            <a:r>
+              <a:rPr lang="it-IT" sz="1800" dirty="0"/>
+              <a:t> must </a:t>
+            </a:r>
+            <a:r>
+              <a:rPr lang="it-IT" sz="1800" dirty="0" err="1"/>
+              <a:t>avoid</a:t>
+            </a:r>
+            <a:r>
+              <a:rPr lang="it-IT" sz="1800" dirty="0"/>
+              <a:t> single point of </a:t>
+            </a:r>
+            <a:r>
+              <a:rPr lang="it-IT" sz="1800" dirty="0" err="1"/>
+              <a:t>failure</a:t>
+            </a:r>
+            <a:br>
+              <a:rPr lang="it-IT" sz="1800" dirty="0"/>
+            </a:br>
+            <a:br>
+              <a:rPr lang="it-IT" sz="1800" dirty="0"/>
+            </a:br>
+            <a:r>
+              <a:rPr lang="it-IT" sz="1800" dirty="0" err="1"/>
+              <a:t>Organizational</a:t>
+            </a:r>
+            <a:r>
+              <a:rPr lang="it-IT" sz="1800" dirty="0"/>
+              <a:t> </a:t>
+            </a:r>
+            <a:r>
+              <a:rPr lang="it-IT" sz="1800" dirty="0" err="1"/>
+              <a:t>Requirement</a:t>
+            </a:r>
+            <a:r>
+              <a:rPr lang="it-IT" sz="1800" dirty="0"/>
+              <a:t> :</a:t>
+            </a:r>
+            <a:br>
+              <a:rPr lang="it-IT" sz="1800" dirty="0"/>
+            </a:br>
+            <a:r>
+              <a:rPr lang="it-IT" sz="1800" dirty="0"/>
+              <a:t>-	The admin must be </a:t>
+            </a:r>
+            <a:r>
+              <a:rPr lang="it-IT" sz="1800" dirty="0" err="1"/>
+              <a:t>able</a:t>
+            </a:r>
+            <a:r>
+              <a:rPr lang="it-IT" sz="1800" dirty="0"/>
+              <a:t> to </a:t>
+            </a:r>
+            <a:r>
+              <a:rPr lang="it-IT" sz="1800" b="1" dirty="0" err="1"/>
+              <a:t>quickly</a:t>
+            </a:r>
+            <a:r>
+              <a:rPr lang="it-IT" sz="1800" b="1" dirty="0"/>
+              <a:t> </a:t>
+            </a:r>
+            <a:r>
+              <a:rPr lang="it-IT" sz="1800" b="1" dirty="0" err="1"/>
+              <a:t>correct</a:t>
+            </a:r>
+            <a:r>
+              <a:rPr lang="it-IT" sz="1800" dirty="0"/>
+              <a:t> </a:t>
+            </a:r>
+            <a:r>
+              <a:rPr lang="it-IT" sz="1800" dirty="0" err="1"/>
+              <a:t>erroneous</a:t>
+            </a:r>
+            <a:r>
+              <a:rPr lang="it-IT" sz="1800" dirty="0"/>
+              <a:t> uploads</a:t>
+            </a:r>
+            <a:br>
+              <a:rPr lang="it-IT" sz="1800" dirty="0"/>
+            </a:br>
+            <a:r>
+              <a:rPr lang="it-IT" sz="1800" dirty="0"/>
+              <a:t>-	</a:t>
+            </a:r>
+            <a:r>
+              <a:rPr lang="it-IT" sz="1800" dirty="0" err="1"/>
+              <a:t>If</a:t>
+            </a:r>
+            <a:r>
+              <a:rPr lang="it-IT" sz="1800" dirty="0"/>
+              <a:t> a review </a:t>
+            </a:r>
+            <a:r>
+              <a:rPr lang="it-IT" sz="1800" dirty="0" err="1"/>
+              <a:t>is</a:t>
+            </a:r>
+            <a:r>
+              <a:rPr lang="it-IT" sz="1800" dirty="0"/>
+              <a:t> </a:t>
+            </a:r>
+            <a:r>
+              <a:rPr lang="it-IT" sz="1800" dirty="0" err="1"/>
+              <a:t>removed</a:t>
+            </a:r>
+            <a:r>
+              <a:rPr lang="it-IT" sz="1800" dirty="0"/>
+              <a:t>, the rankings must be </a:t>
+            </a:r>
+            <a:r>
+              <a:rPr lang="it-IT" sz="1800" dirty="0" err="1"/>
+              <a:t>eventually</a:t>
+            </a:r>
+            <a:r>
+              <a:rPr lang="it-IT" sz="1800" dirty="0"/>
+              <a:t> </a:t>
+            </a:r>
+            <a:r>
+              <a:rPr lang="it-IT" sz="1800" dirty="0" err="1"/>
+              <a:t>updated</a:t>
+            </a:r>
+            <a:r>
+              <a:rPr lang="it-IT" sz="1800" dirty="0"/>
+              <a:t> </a:t>
+            </a:r>
+            <a:r>
+              <a:rPr lang="it-IT" sz="1800" dirty="0" err="1"/>
+              <a:t>accordingly</a:t>
+            </a:r>
+            <a:br>
+              <a:rPr lang="it-IT" sz="1800" dirty="0"/>
+            </a:br>
+            <a:r>
+              <a:rPr lang="it-IT" sz="1800" dirty="0"/>
+              <a:t>-	</a:t>
+            </a:r>
+            <a:r>
+              <a:rPr lang="it-IT" sz="1800" dirty="0" err="1"/>
+              <a:t>Encryption</a:t>
+            </a:r>
+            <a:r>
+              <a:rPr lang="it-IT" sz="1800" dirty="0"/>
+              <a:t> of user passwords (?)</a:t>
+            </a:r>
+            <a:endParaRPr lang="en-GB" sz="1800" dirty="0"/>
+          </a:p>
+        </p:txBody>
+      </p:sp>
+      <p:sp>
+        <p:nvSpPr>
+          <p:cNvPr id="3" name="Title 1">
             <a:extLst>
               <a:ext uri="{FF2B5EF4-FFF2-40B4-BE49-F238E27FC236}">
-                <a16:creationId xmlns:a16="http://schemas.microsoft.com/office/drawing/2014/main" id="{F082F582-98CE-E2A3-BAEF-9990CAF613FC}"/>
+                <a16:creationId xmlns:a16="http://schemas.microsoft.com/office/drawing/2014/main" id="{038A4C6E-9A15-4A00-CCE8-B673A7A71DA5}"/>
               </a:ext>
             </a:extLst>
           </p:cNvPr>
-          <p:cNvPicPr>
-            <a:picLocks noChangeAspect="1"/>
-          </p:cNvPicPr>
+          <p:cNvSpPr txBox="1">
+            <a:spLocks/>
+          </p:cNvSpPr>
           <p:nvPr/>
-        </p:nvPicPr>
-        <p:blipFill>
-          <a:blip r:embed="rId2"/>
-          <a:stretch>
-            <a:fillRect/>
-          </a:stretch>
-        </p:blipFill>
-        <p:spPr>
-          <a:xfrm>
-            <a:off x="-1" y="816429"/>
-            <a:ext cx="5458409" cy="5276461"/>
+        </p:nvSpPr>
+        <p:spPr>
+          <a:xfrm>
+            <a:off x="335141" y="242493"/>
+            <a:ext cx="8761797" cy="1143000"/>
           </a:xfrm>
           <a:prstGeom prst="rect">
             <a:avLst/>
           </a:prstGeom>
         </p:spPr>
-      </p:pic>
+        <p:txBody>
+          <a:bodyPr vert="horz" lIns="91440" tIns="45720" rIns="91440" bIns="45720" rtlCol="0" anchor="ctr">
+            <a:normAutofit/>
+          </a:bodyPr>
+          <a:lstStyle>
+            <a:lvl1pPr algn="ctr" defTabSz="457200" rtl="0" eaLnBrk="1" latinLnBrk="0" hangingPunct="1">
+              <a:spcBef>
+                <a:spcPct val="0"/>
+              </a:spcBef>
+              <a:buNone/>
+              <a:defRPr sz="4400" kern="1200">
+                <a:solidFill>
+                  <a:schemeClr val="tx1"/>
+                </a:solidFill>
+                <a:latin typeface="+mj-lt"/>
+                <a:ea typeface="+mj-ea"/>
+                <a:cs typeface="+mj-cs"/>
+              </a:defRPr>
+            </a:lvl1pPr>
+          </a:lstStyle>
+          <a:p>
+            <a:r>
+              <a:rPr lang="it-IT"/>
+              <a:t>Non-Functional Requirements</a:t>
+            </a:r>
+            <a:endParaRPr lang="en-GB" dirty="0"/>
+          </a:p>
+        </p:txBody>
+      </p:sp>
     </p:spTree>
     <p:extLst>
       <p:ext uri="{BB962C8B-B14F-4D97-AF65-F5344CB8AC3E}">
-        <p14:creationId xmlns:p14="http://schemas.microsoft.com/office/powerpoint/2010/main" val="877565826"/>
+        <p14:creationId xmlns:p14="http://schemas.microsoft.com/office/powerpoint/2010/main" val="3366521779"/>
       </p:ext>
     </p:extLst>
   </p:cSld>
@@ -5027,6 +5916,53 @@
           <a:chExt cx="0" cy="0"/>
         </a:xfrm>
       </p:grpSpPr>
+      <p:pic>
+        <p:nvPicPr>
+          <p:cNvPr id="1026" name="Picture 2" descr="Partition tolerance in cap theorem">
+            <a:extLst>
+              <a:ext uri="{FF2B5EF4-FFF2-40B4-BE49-F238E27FC236}">
+                <a16:creationId xmlns:a16="http://schemas.microsoft.com/office/drawing/2014/main" id="{A88B2E02-49C9-42C2-EC36-3569FF1E2711}"/>
+              </a:ext>
+            </a:extLst>
+          </p:cNvPr>
+          <p:cNvPicPr>
+            <a:picLocks noChangeAspect="1" noChangeArrowheads="1"/>
+          </p:cNvPicPr>
+          <p:nvPr/>
+        </p:nvPicPr>
+        <p:blipFill>
+          <a:blip r:embed="rId2">
+            <a:extLst>
+              <a:ext uri="{28A0092B-C50C-407E-A947-70E740481C1C}">
+                <a14:useLocalDpi xmlns:a14="http://schemas.microsoft.com/office/drawing/2010/main" val="0"/>
+              </a:ext>
+            </a:extLst>
+          </a:blip>
+          <a:srcRect/>
+          <a:stretch>
+            <a:fillRect/>
+          </a:stretch>
+        </p:blipFill>
+        <p:spPr bwMode="auto">
+          <a:xfrm>
+            <a:off x="0" y="0"/>
+            <a:ext cx="6635998" cy="6195702"/>
+          </a:xfrm>
+          <a:prstGeom prst="rect">
+            <a:avLst/>
+          </a:prstGeom>
+          <a:noFill/>
+          <a:extLst>
+            <a:ext uri="{909E8E84-426E-40DD-AFC4-6F175D3DCCD1}">
+              <a14:hiddenFill xmlns:a14="http://schemas.microsoft.com/office/drawing/2010/main">
+                <a:solidFill>
+                  <a:srgbClr val="FFFFFF"/>
+                </a:solidFill>
+              </a14:hiddenFill>
+            </a:ext>
+          </a:extLst>
+        </p:spPr>
+      </p:pic>
       <p:sp>
         <p:nvSpPr>
           <p:cNvPr id="2" name="Titolo 1">
@@ -5043,31 +5979,205 @@
             <p:ph type="title"/>
           </p:nvPr>
         </p:nvSpPr>
-        <p:spPr/>
+        <p:spPr>
+          <a:xfrm>
+            <a:off x="5341121" y="0"/>
+            <a:ext cx="3802879" cy="979714"/>
+          </a:xfrm>
+        </p:spPr>
         <p:txBody>
           <a:bodyPr>
-            <a:normAutofit fontScale="90000"/>
+            <a:normAutofit/>
           </a:bodyPr>
           <a:lstStyle/>
           <a:p>
             <a:r>
               <a:rPr lang="en-US" dirty="0"/>
-              <a:t>Requirements and Entities </a:t>
-            </a:r>
-            <a:br>
-              <a:rPr lang="en-US" dirty="0"/>
-            </a:br>
-            <a:r>
-              <a:rPr lang="en-US" dirty="0"/>
-              <a:t>handled by Document DB</a:t>
-            </a:r>
+              <a:t>CAP Theorem</a:t>
+            </a:r>
+          </a:p>
+        </p:txBody>
+      </p:sp>
+      <p:sp>
+        <p:nvSpPr>
+          <p:cNvPr id="6" name="Titolo 1">
+            <a:extLst>
+              <a:ext uri="{FF2B5EF4-FFF2-40B4-BE49-F238E27FC236}">
+                <a16:creationId xmlns:a16="http://schemas.microsoft.com/office/drawing/2014/main" id="{572B8CDF-A775-79CC-3778-70959416CA92}"/>
+              </a:ext>
+            </a:extLst>
+          </p:cNvPr>
+          <p:cNvSpPr txBox="1">
+            <a:spLocks/>
+          </p:cNvSpPr>
+          <p:nvPr/>
+        </p:nvSpPr>
+        <p:spPr>
+          <a:xfrm>
+            <a:off x="4948015" y="995382"/>
+            <a:ext cx="4195984" cy="2140926"/>
+          </a:xfrm>
+          <a:prstGeom prst="rect">
+            <a:avLst/>
+          </a:prstGeom>
+        </p:spPr>
+        <p:txBody>
+          <a:bodyPr vert="horz" lIns="91440" tIns="45720" rIns="91440" bIns="45720" rtlCol="0" anchor="ctr">
+            <a:normAutofit fontScale="92500" lnSpcReduction="10000"/>
+          </a:bodyPr>
+          <a:lstStyle>
+            <a:lvl1pPr algn="ctr" defTabSz="457200" rtl="0" eaLnBrk="1" latinLnBrk="0" hangingPunct="1">
+              <a:spcBef>
+                <a:spcPct val="0"/>
+              </a:spcBef>
+              <a:buNone/>
+              <a:defRPr sz="4400" kern="1200">
+                <a:solidFill>
+                  <a:schemeClr val="tx1"/>
+                </a:solidFill>
+                <a:latin typeface="+mj-lt"/>
+                <a:ea typeface="+mj-ea"/>
+                <a:cs typeface="+mj-cs"/>
+              </a:defRPr>
+            </a:lvl1pPr>
+          </a:lstStyle>
+          <a:p>
+            <a:pPr algn="r"/>
+            <a:r>
+              <a:rPr lang="en-US" sz="1800" dirty="0"/>
+              <a:t>In order to satisfy the </a:t>
+            </a:r>
+          </a:p>
+          <a:p>
+            <a:pPr algn="r"/>
+            <a:r>
+              <a:rPr lang="en-US" sz="1800" dirty="0"/>
+              <a:t>non-functional requirements, </a:t>
+            </a:r>
+          </a:p>
+          <a:p>
+            <a:pPr algn="r"/>
+            <a:r>
+              <a:rPr lang="en-US" sz="1800" dirty="0"/>
+              <a:t>it is reasonable to </a:t>
+            </a:r>
+            <a:r>
+              <a:rPr lang="en-US" sz="1800" u="sng" dirty="0"/>
+              <a:t>sacrifice consistency</a:t>
+            </a:r>
+            <a:r>
+              <a:rPr lang="en-US" sz="1800" dirty="0"/>
+              <a:t>, </a:t>
+            </a:r>
+          </a:p>
+          <a:p>
+            <a:pPr algn="r"/>
+            <a:r>
+              <a:rPr lang="en-US" sz="1800" dirty="0"/>
+              <a:t>in favor of </a:t>
+            </a:r>
+          </a:p>
+          <a:p>
+            <a:pPr algn="r"/>
+            <a:r>
+              <a:rPr lang="en-US" sz="1800" b="1" dirty="0"/>
+              <a:t>high-availability</a:t>
+            </a:r>
+            <a:r>
+              <a:rPr lang="en-US" sz="1800" dirty="0"/>
+              <a:t> and </a:t>
+            </a:r>
+          </a:p>
+          <a:p>
+            <a:pPr algn="r"/>
+            <a:r>
+              <a:rPr lang="en-US" sz="1800" b="1" dirty="0"/>
+              <a:t>partition-tolerance</a:t>
+            </a:r>
+            <a:r>
+              <a:rPr lang="en-US" sz="1800" dirty="0"/>
+              <a:t>.</a:t>
+            </a:r>
+          </a:p>
+          <a:p>
+            <a:pPr algn="r"/>
+            <a:endParaRPr lang="en-US" sz="1800" dirty="0"/>
+          </a:p>
+          <a:p>
+            <a:pPr algn="r"/>
+            <a:r>
+              <a:rPr lang="en-US" sz="1800" dirty="0"/>
+              <a:t>Thus, an </a:t>
+            </a:r>
+            <a:r>
+              <a:rPr lang="en-US" sz="1800" b="1" dirty="0"/>
+              <a:t>AP solution</a:t>
+            </a:r>
+            <a:r>
+              <a:rPr lang="en-US" sz="1800" dirty="0"/>
+              <a:t> is used.</a:t>
+            </a:r>
+          </a:p>
+        </p:txBody>
+      </p:sp>
+      <p:sp>
+        <p:nvSpPr>
+          <p:cNvPr id="7" name="Oval 6">
+            <a:extLst>
+              <a:ext uri="{FF2B5EF4-FFF2-40B4-BE49-F238E27FC236}">
+                <a16:creationId xmlns:a16="http://schemas.microsoft.com/office/drawing/2014/main" id="{99D86DAB-03A6-7DAC-11CF-93028B3CD6ED}"/>
+              </a:ext>
+            </a:extLst>
+          </p:cNvPr>
+          <p:cNvSpPr/>
+          <p:nvPr/>
+        </p:nvSpPr>
+        <p:spPr>
+          <a:xfrm rot="5400000">
+            <a:off x="2828658" y="3999432"/>
+            <a:ext cx="999858" cy="752030"/>
+          </a:xfrm>
+          <a:prstGeom prst="ellipse">
+            <a:avLst/>
+          </a:prstGeom>
+          <a:noFill/>
+          <a:ln w="9525" cap="flat" cmpd="sng" algn="ctr">
+            <a:solidFill>
+              <a:schemeClr val="dk1"/>
+            </a:solidFill>
+            <a:prstDash val="solid"/>
+            <a:round/>
+            <a:headEnd type="none" w="med" len="med"/>
+            <a:tailEnd type="none" w="med" len="med"/>
+          </a:ln>
+        </p:spPr>
+        <p:style>
+          <a:lnRef idx="0">
+            <a:scrgbClr r="0" g="0" b="0"/>
+          </a:lnRef>
+          <a:fillRef idx="0">
+            <a:scrgbClr r="0" g="0" b="0"/>
+          </a:fillRef>
+          <a:effectRef idx="0">
+            <a:scrgbClr r="0" g="0" b="0"/>
+          </a:effectRef>
+          <a:fontRef idx="minor">
+            <a:schemeClr val="dk1"/>
+          </a:fontRef>
+        </p:style>
+        <p:txBody>
+          <a:bodyPr rtlCol="0" anchor="ctr"/>
+          <a:lstStyle/>
+          <a:p>
+            <a:pPr algn="ctr"/>
+            <a:endParaRPr lang="en-GB"/>
           </a:p>
         </p:txBody>
       </p:sp>
     </p:spTree>
     <p:extLst>
       <p:ext uri="{BB962C8B-B14F-4D97-AF65-F5344CB8AC3E}">
-        <p14:creationId xmlns:p14="http://schemas.microsoft.com/office/powerpoint/2010/main" val="2128480954"/>
+        <p14:creationId xmlns:p14="http://schemas.microsoft.com/office/powerpoint/2010/main" val="877565826"/>
       </p:ext>
     </p:extLst>
   </p:cSld>
@@ -5126,15 +6236,394 @@
             </a:br>
             <a:r>
               <a:rPr lang="en-US" dirty="0"/>
-              <a:t>handled by Key-Value DB</a:t>
-            </a:r>
+              <a:t>handled by Document DB</a:t>
+            </a:r>
+          </a:p>
+        </p:txBody>
+      </p:sp>
+      <p:sp>
+        <p:nvSpPr>
+          <p:cNvPr id="3" name="TextBox 2">
+            <a:extLst>
+              <a:ext uri="{FF2B5EF4-FFF2-40B4-BE49-F238E27FC236}">
+                <a16:creationId xmlns:a16="http://schemas.microsoft.com/office/drawing/2014/main" id="{7D8AFFFF-28CD-DC2E-BB26-7F992B57358F}"/>
+              </a:ext>
+            </a:extLst>
+          </p:cNvPr>
+          <p:cNvSpPr txBox="1"/>
+          <p:nvPr/>
+        </p:nvSpPr>
+        <p:spPr>
+          <a:xfrm>
+            <a:off x="367469" y="1258730"/>
+            <a:ext cx="8409061" cy="5909310"/>
+          </a:xfrm>
+          <a:prstGeom prst="rect">
+            <a:avLst/>
+          </a:prstGeom>
+          <a:noFill/>
+        </p:spPr>
+        <p:txBody>
+          <a:bodyPr wrap="square" rtlCol="0">
+            <a:spAutoFit/>
+          </a:bodyPr>
+          <a:lstStyle/>
+          <a:p>
+            <a:r>
+              <a:rPr lang="it-IT" dirty="0" err="1"/>
+              <a:t>Entities</a:t>
+            </a:r>
+            <a:r>
+              <a:rPr lang="it-IT" dirty="0"/>
+              <a:t> :</a:t>
+            </a:r>
+          </a:p>
+          <a:p>
+            <a:pPr marL="285750" indent="-285750">
+              <a:buFont typeface="Arial" panose="020B0604020202020204" pitchFamily="34" charset="0"/>
+              <a:buChar char="•"/>
+            </a:pPr>
+            <a:r>
+              <a:rPr lang="it-IT" dirty="0"/>
+              <a:t>Anime</a:t>
+            </a:r>
+          </a:p>
+          <a:p>
+            <a:pPr marL="285750" indent="-285750">
+              <a:buFont typeface="Arial" panose="020B0604020202020204" pitchFamily="34" charset="0"/>
+              <a:buChar char="•"/>
+            </a:pPr>
+            <a:r>
+              <a:rPr lang="it-IT" dirty="0"/>
+              <a:t>User</a:t>
+            </a:r>
+          </a:p>
+          <a:p>
+            <a:pPr marL="285750" indent="-285750">
+              <a:buFont typeface="Arial" panose="020B0604020202020204" pitchFamily="34" charset="0"/>
+              <a:buChar char="•"/>
+            </a:pPr>
+            <a:r>
+              <a:rPr lang="it-IT" dirty="0"/>
+              <a:t>Review</a:t>
+            </a:r>
+          </a:p>
+          <a:p>
+            <a:pPr marL="285750" indent="-285750">
+              <a:buFont typeface="Arial" panose="020B0604020202020204" pitchFamily="34" charset="0"/>
+              <a:buChar char="•"/>
+            </a:pPr>
+            <a:endParaRPr lang="it-IT" dirty="0"/>
+          </a:p>
+          <a:p>
+            <a:r>
+              <a:rPr lang="it-IT" dirty="0"/>
+              <a:t>Queries :</a:t>
+            </a:r>
+          </a:p>
+          <a:p>
+            <a:pPr marL="285750" indent="-285750">
+              <a:buFont typeface="Arial" panose="020B0604020202020204" pitchFamily="34" charset="0"/>
+              <a:buChar char="•"/>
+            </a:pPr>
+            <a:r>
+              <a:rPr lang="it-IT" dirty="0"/>
+              <a:t>Show Anime </a:t>
+            </a:r>
+            <a:r>
+              <a:rPr lang="it-IT" dirty="0" err="1"/>
+              <a:t>details</a:t>
+            </a:r>
+            <a:endParaRPr lang="it-IT" dirty="0"/>
+          </a:p>
+          <a:p>
+            <a:pPr marL="285750" indent="-285750">
+              <a:buFont typeface="Arial" panose="020B0604020202020204" pitchFamily="34" charset="0"/>
+              <a:buChar char="•"/>
+            </a:pPr>
+            <a:r>
+              <a:rPr lang="it-IT" dirty="0"/>
+              <a:t>Show user </a:t>
+            </a:r>
+            <a:r>
+              <a:rPr lang="it-IT" dirty="0" err="1"/>
+              <a:t>details</a:t>
+            </a:r>
+            <a:r>
+              <a:rPr lang="it-IT" dirty="0"/>
+              <a:t>/</a:t>
+            </a:r>
+            <a:r>
+              <a:rPr lang="it-IT" dirty="0" err="1"/>
+              <a:t>credentials</a:t>
+            </a:r>
+            <a:endParaRPr lang="it-IT" dirty="0"/>
+          </a:p>
+          <a:p>
+            <a:pPr marL="285750" indent="-285750">
+              <a:buFont typeface="Arial" panose="020B0604020202020204" pitchFamily="34" charset="0"/>
+              <a:buChar char="•"/>
+            </a:pPr>
+            <a:r>
+              <a:rPr lang="it-IT" dirty="0"/>
+              <a:t>Show </a:t>
+            </a:r>
+            <a:r>
+              <a:rPr lang="it-IT" dirty="0" err="1"/>
+              <a:t>user’s</a:t>
+            </a:r>
+            <a:r>
+              <a:rPr lang="it-IT" dirty="0"/>
+              <a:t> lists of anime (</a:t>
+            </a:r>
+            <a:r>
+              <a:rPr lang="it-IT" dirty="0" err="1"/>
+              <a:t>completed</a:t>
+            </a:r>
+            <a:r>
+              <a:rPr lang="it-IT" dirty="0"/>
+              <a:t>, </a:t>
+            </a:r>
+            <a:r>
+              <a:rPr lang="it-IT" dirty="0" err="1"/>
+              <a:t>watching</a:t>
+            </a:r>
+            <a:r>
+              <a:rPr lang="it-IT" dirty="0"/>
+              <a:t>, </a:t>
+            </a:r>
+            <a:r>
+              <a:rPr lang="it-IT" dirty="0" err="1"/>
+              <a:t>on_hold</a:t>
+            </a:r>
+            <a:r>
+              <a:rPr lang="it-IT" dirty="0"/>
+              <a:t>, </a:t>
+            </a:r>
+            <a:r>
+              <a:rPr lang="it-IT" dirty="0" err="1"/>
+              <a:t>dropped</a:t>
+            </a:r>
+            <a:r>
+              <a:rPr lang="it-IT" dirty="0"/>
+              <a:t>, </a:t>
+            </a:r>
+            <a:r>
+              <a:rPr lang="it-IT" dirty="0" err="1"/>
+              <a:t>plan_to_watch</a:t>
+            </a:r>
+            <a:r>
+              <a:rPr lang="it-IT" dirty="0"/>
+              <a:t>)</a:t>
+            </a:r>
+          </a:p>
+          <a:p>
+            <a:pPr marL="285750" indent="-285750">
+              <a:buFont typeface="Arial" panose="020B0604020202020204" pitchFamily="34" charset="0"/>
+              <a:buChar char="•"/>
+            </a:pPr>
+            <a:r>
+              <a:rPr lang="it-IT" dirty="0"/>
+              <a:t>Show </a:t>
+            </a:r>
+            <a:r>
+              <a:rPr lang="it-IT" dirty="0" err="1"/>
+              <a:t>user’s</a:t>
+            </a:r>
+            <a:r>
+              <a:rPr lang="it-IT" dirty="0"/>
+              <a:t> </a:t>
+            </a:r>
+            <a:r>
+              <a:rPr lang="it-IT" dirty="0" err="1"/>
+              <a:t>own</a:t>
+            </a:r>
+            <a:r>
+              <a:rPr lang="it-IT" dirty="0"/>
+              <a:t> review for anime</a:t>
+            </a:r>
+          </a:p>
+          <a:p>
+            <a:pPr marL="285750" indent="-285750">
+              <a:buFont typeface="Arial" panose="020B0604020202020204" pitchFamily="34" charset="0"/>
+              <a:buChar char="•"/>
+            </a:pPr>
+            <a:r>
+              <a:rPr lang="it-IT" dirty="0"/>
+              <a:t>Show </a:t>
+            </a:r>
+            <a:r>
+              <a:rPr lang="it-IT" dirty="0" err="1"/>
+              <a:t>user’s</a:t>
+            </a:r>
+            <a:r>
+              <a:rPr lang="it-IT" dirty="0"/>
+              <a:t> </a:t>
+            </a:r>
+            <a:r>
+              <a:rPr lang="it-IT" dirty="0" err="1"/>
+              <a:t>own</a:t>
+            </a:r>
+            <a:r>
+              <a:rPr lang="it-IT" dirty="0"/>
+              <a:t> list of reviews</a:t>
+            </a:r>
+          </a:p>
+          <a:p>
+            <a:pPr marL="285750" indent="-285750">
+              <a:buFont typeface="Arial" panose="020B0604020202020204" pitchFamily="34" charset="0"/>
+              <a:buChar char="•"/>
+            </a:pPr>
+            <a:r>
+              <a:rPr lang="it-IT" dirty="0"/>
+              <a:t>Show </a:t>
+            </a:r>
+            <a:r>
+              <a:rPr lang="it-IT" dirty="0" err="1"/>
+              <a:t>user’s</a:t>
+            </a:r>
+            <a:r>
+              <a:rPr lang="it-IT" dirty="0"/>
+              <a:t> </a:t>
+            </a:r>
+            <a:r>
+              <a:rPr lang="it-IT" dirty="0" err="1"/>
+              <a:t>own</a:t>
+            </a:r>
+            <a:r>
+              <a:rPr lang="it-IT" dirty="0"/>
+              <a:t> </a:t>
+            </a:r>
+            <a:r>
+              <a:rPr lang="it-IT" dirty="0" err="1"/>
+              <a:t>most</a:t>
+            </a:r>
+            <a:r>
+              <a:rPr lang="it-IT" dirty="0"/>
+              <a:t> </a:t>
+            </a:r>
+            <a:r>
+              <a:rPr lang="it-IT" dirty="0" err="1"/>
+              <a:t>recent</a:t>
+            </a:r>
+            <a:r>
+              <a:rPr lang="it-IT" dirty="0"/>
+              <a:t> reviews</a:t>
+            </a:r>
+          </a:p>
+          <a:p>
+            <a:pPr marL="285750" indent="-285750">
+              <a:buFont typeface="Arial" panose="020B0604020202020204" pitchFamily="34" charset="0"/>
+              <a:buChar char="•"/>
+            </a:pPr>
+            <a:r>
+              <a:rPr lang="it-IT" dirty="0"/>
+              <a:t>Show anime </a:t>
+            </a:r>
+            <a:r>
+              <a:rPr lang="it-IT" dirty="0" err="1"/>
+              <a:t>average</a:t>
+            </a:r>
+            <a:r>
+              <a:rPr lang="it-IT" dirty="0"/>
+              <a:t> rating</a:t>
+            </a:r>
+          </a:p>
+          <a:p>
+            <a:pPr marL="285750" indent="-285750">
+              <a:buFont typeface="Arial" panose="020B0604020202020204" pitchFamily="34" charset="0"/>
+              <a:buChar char="•"/>
+            </a:pPr>
+            <a:r>
+              <a:rPr lang="it-IT" dirty="0"/>
+              <a:t>Show anime </a:t>
+            </a:r>
+            <a:r>
+              <a:rPr lang="it-IT" dirty="0" err="1"/>
+              <a:t>number</a:t>
+            </a:r>
+            <a:r>
+              <a:rPr lang="it-IT" dirty="0"/>
+              <a:t> of followers</a:t>
+            </a:r>
+          </a:p>
+          <a:p>
+            <a:pPr marL="285750" indent="-285750">
+              <a:buFont typeface="Arial" panose="020B0604020202020204" pitchFamily="34" charset="0"/>
+              <a:buChar char="•"/>
+            </a:pPr>
+            <a:r>
+              <a:rPr lang="it-IT" dirty="0"/>
+              <a:t>Show anime </a:t>
+            </a:r>
+            <a:r>
+              <a:rPr lang="it-IT" dirty="0" err="1"/>
+              <a:t>most</a:t>
+            </a:r>
+            <a:r>
+              <a:rPr lang="it-IT" dirty="0"/>
+              <a:t> </a:t>
+            </a:r>
+            <a:r>
+              <a:rPr lang="it-IT" dirty="0" err="1"/>
+              <a:t>recent</a:t>
+            </a:r>
+            <a:r>
+              <a:rPr lang="it-IT" dirty="0"/>
+              <a:t> reviews</a:t>
+            </a:r>
+          </a:p>
+          <a:p>
+            <a:pPr marL="285750" indent="-285750">
+              <a:buFont typeface="Arial" panose="020B0604020202020204" pitchFamily="34" charset="0"/>
+              <a:buChar char="•"/>
+            </a:pPr>
+            <a:r>
+              <a:rPr lang="it-IT" dirty="0"/>
+              <a:t>Show anime list of reviews</a:t>
+            </a:r>
+          </a:p>
+          <a:p>
+            <a:pPr marL="285750" indent="-285750">
+              <a:buFont typeface="Arial" panose="020B0604020202020204" pitchFamily="34" charset="0"/>
+              <a:buChar char="•"/>
+            </a:pPr>
+            <a:r>
+              <a:rPr lang="it-IT" dirty="0"/>
+              <a:t>Top anime by </a:t>
+            </a:r>
+            <a:r>
+              <a:rPr lang="it-IT" dirty="0" err="1"/>
+              <a:t>genre</a:t>
+            </a:r>
+            <a:endParaRPr lang="it-IT" dirty="0"/>
+          </a:p>
+          <a:p>
+            <a:pPr marL="285750" indent="-285750">
+              <a:buFont typeface="Arial" panose="020B0604020202020204" pitchFamily="34" charset="0"/>
+              <a:buChar char="•"/>
+            </a:pPr>
+            <a:endParaRPr lang="it-IT" dirty="0"/>
+          </a:p>
+          <a:p>
+            <a:pPr marL="285750" indent="-285750">
+              <a:buFont typeface="Arial" panose="020B0604020202020204" pitchFamily="34" charset="0"/>
+              <a:buChar char="•"/>
+            </a:pPr>
+            <a:endParaRPr lang="it-IT" dirty="0"/>
+          </a:p>
+          <a:p>
+            <a:endParaRPr lang="it-IT" dirty="0"/>
+          </a:p>
+          <a:p>
+            <a:endParaRPr lang="en-GB" dirty="0"/>
           </a:p>
         </p:txBody>
       </p:sp>
     </p:spTree>
     <p:extLst>
       <p:ext uri="{BB962C8B-B14F-4D97-AF65-F5344CB8AC3E}">
-        <p14:creationId xmlns:p14="http://schemas.microsoft.com/office/powerpoint/2010/main" val="4165861081"/>
+        <p14:creationId xmlns:p14="http://schemas.microsoft.com/office/powerpoint/2010/main" val="2128480954"/>
       </p:ext>
     </p:extLst>
   </p:cSld>
@@ -5161,43 +6650,6 @@
           <a:chExt cx="0" cy="0"/>
         </a:xfrm>
       </p:grpSpPr>
-      <p:sp>
-        <p:nvSpPr>
-          <p:cNvPr id="2" name="Titolo 1">
-            <a:extLst>
-              <a:ext uri="{FF2B5EF4-FFF2-40B4-BE49-F238E27FC236}">
-                <a16:creationId xmlns:a16="http://schemas.microsoft.com/office/drawing/2014/main" id="{B8C7EEC7-48BB-B542-9A2A-E3C09D99B916}"/>
-              </a:ext>
-            </a:extLst>
-          </p:cNvPr>
-          <p:cNvSpPr>
-            <a:spLocks noGrp="1"/>
-          </p:cNvSpPr>
-          <p:nvPr>
-            <p:ph type="title"/>
-          </p:nvPr>
-        </p:nvSpPr>
-        <p:spPr/>
-        <p:txBody>
-          <a:bodyPr>
-            <a:normAutofit fontScale="90000"/>
-          </a:bodyPr>
-          <a:lstStyle/>
-          <a:p>
-            <a:r>
-              <a:rPr lang="en-US" dirty="0"/>
-              <a:t>Requirements and Entities </a:t>
-            </a:r>
-            <a:br>
-              <a:rPr lang="en-US" dirty="0"/>
-            </a:br>
-            <a:r>
-              <a:rPr lang="en-US" dirty="0"/>
-              <a:t>handled by Graph DB</a:t>
-            </a:r>
-          </a:p>
-        </p:txBody>
-      </p:sp>
       <p:pic>
         <p:nvPicPr>
           <p:cNvPr id="6" name="Picture 5" descr="A black and pink circle with black text&#10;&#10;Description automatically generated">
@@ -5220,14 +6672,389 @@
         </p:blipFill>
         <p:spPr>
           <a:xfrm>
-            <a:off x="4370387" y="1665568"/>
-            <a:ext cx="3857625" cy="1028700"/>
+            <a:off x="1864325" y="1143000"/>
+            <a:ext cx="5415346" cy="1444092"/>
           </a:xfrm>
           <a:prstGeom prst="rect">
             <a:avLst/>
           </a:prstGeom>
         </p:spPr>
       </p:pic>
+      <p:sp>
+        <p:nvSpPr>
+          <p:cNvPr id="2" name="Titolo 1">
+            <a:extLst>
+              <a:ext uri="{FF2B5EF4-FFF2-40B4-BE49-F238E27FC236}">
+                <a16:creationId xmlns:a16="http://schemas.microsoft.com/office/drawing/2014/main" id="{B8C7EEC7-48BB-B542-9A2A-E3C09D99B916}"/>
+              </a:ext>
+            </a:extLst>
+          </p:cNvPr>
+          <p:cNvSpPr>
+            <a:spLocks noGrp="1"/>
+          </p:cNvSpPr>
+          <p:nvPr>
+            <p:ph type="title"/>
+          </p:nvPr>
+        </p:nvSpPr>
+        <p:spPr>
+          <a:xfrm>
+            <a:off x="198192" y="0"/>
+            <a:ext cx="8747613" cy="1143000"/>
+          </a:xfrm>
+        </p:spPr>
+        <p:txBody>
+          <a:bodyPr>
+            <a:normAutofit fontScale="90000"/>
+          </a:bodyPr>
+          <a:lstStyle/>
+          <a:p>
+            <a:r>
+              <a:rPr lang="en-US" dirty="0"/>
+              <a:t>Requirements and Entities </a:t>
+            </a:r>
+            <a:br>
+              <a:rPr lang="en-US" dirty="0"/>
+            </a:br>
+            <a:r>
+              <a:rPr lang="en-US" dirty="0"/>
+              <a:t>handled by Graph DB</a:t>
+            </a:r>
+          </a:p>
+        </p:txBody>
+      </p:sp>
+      <p:sp>
+        <p:nvSpPr>
+          <p:cNvPr id="3" name="TextBox 2">
+            <a:extLst>
+              <a:ext uri="{FF2B5EF4-FFF2-40B4-BE49-F238E27FC236}">
+                <a16:creationId xmlns:a16="http://schemas.microsoft.com/office/drawing/2014/main" id="{B523F3A5-FDF9-DBA6-8016-CDCD625DCCD6}"/>
+              </a:ext>
+            </a:extLst>
+          </p:cNvPr>
+          <p:cNvSpPr txBox="1"/>
+          <p:nvPr/>
+        </p:nvSpPr>
+        <p:spPr>
+          <a:xfrm>
+            <a:off x="0" y="3730092"/>
+            <a:ext cx="3536320" cy="2308324"/>
+          </a:xfrm>
+          <a:prstGeom prst="rect">
+            <a:avLst/>
+          </a:prstGeom>
+          <a:noFill/>
+        </p:spPr>
+        <p:txBody>
+          <a:bodyPr wrap="square" rtlCol="0">
+            <a:spAutoFit/>
+          </a:bodyPr>
+          <a:lstStyle/>
+          <a:p>
+            <a:r>
+              <a:rPr lang="it-IT" dirty="0" err="1"/>
+              <a:t>Entities</a:t>
+            </a:r>
+            <a:r>
+              <a:rPr lang="it-IT" dirty="0"/>
+              <a:t> :</a:t>
+            </a:r>
+          </a:p>
+          <a:p>
+            <a:pPr marL="285750" indent="-285750">
+              <a:buFont typeface="Arial" panose="020B0604020202020204" pitchFamily="34" charset="0"/>
+              <a:buChar char="•"/>
+            </a:pPr>
+            <a:r>
+              <a:rPr lang="it-IT" dirty="0"/>
+              <a:t>Anime</a:t>
+            </a:r>
+          </a:p>
+          <a:p>
+            <a:pPr marL="285750" indent="-285750">
+              <a:buFont typeface="Arial" panose="020B0604020202020204" pitchFamily="34" charset="0"/>
+              <a:buChar char="•"/>
+            </a:pPr>
+            <a:r>
+              <a:rPr lang="en-GB" dirty="0"/>
+              <a:t>User</a:t>
+            </a:r>
+          </a:p>
+          <a:p>
+            <a:pPr marL="285750" indent="-285750">
+              <a:buFont typeface="Arial" panose="020B0604020202020204" pitchFamily="34" charset="0"/>
+              <a:buChar char="•"/>
+            </a:pPr>
+            <a:endParaRPr lang="en-GB" dirty="0"/>
+          </a:p>
+          <a:p>
+            <a:r>
+              <a:rPr lang="en-GB" dirty="0"/>
+              <a:t>Relationships :</a:t>
+            </a:r>
+          </a:p>
+          <a:p>
+            <a:pPr marL="285750" indent="-285750">
+              <a:buFont typeface="Arial" panose="020B0604020202020204" pitchFamily="34" charset="0"/>
+              <a:buChar char="•"/>
+            </a:pPr>
+            <a:r>
+              <a:rPr lang="en-GB" dirty="0"/>
+              <a:t>IS_FRIEND_WITH</a:t>
+            </a:r>
+          </a:p>
+          <a:p>
+            <a:pPr marL="285750" indent="-285750">
+              <a:buFont typeface="Arial" panose="020B0604020202020204" pitchFamily="34" charset="0"/>
+              <a:buChar char="•"/>
+            </a:pPr>
+            <a:r>
+              <a:rPr lang="en-GB" dirty="0"/>
+              <a:t>IN_LIST (in which list an anime is for a specific user</a:t>
+            </a:r>
+          </a:p>
+        </p:txBody>
+      </p:sp>
+      <p:sp>
+        <p:nvSpPr>
+          <p:cNvPr id="4" name="TextBox 3">
+            <a:extLst>
+              <a:ext uri="{FF2B5EF4-FFF2-40B4-BE49-F238E27FC236}">
+                <a16:creationId xmlns:a16="http://schemas.microsoft.com/office/drawing/2014/main" id="{F5D826E1-8599-7C42-3831-55733A014DEE}"/>
+              </a:ext>
+            </a:extLst>
+          </p:cNvPr>
+          <p:cNvSpPr txBox="1"/>
+          <p:nvPr/>
+        </p:nvSpPr>
+        <p:spPr>
+          <a:xfrm>
+            <a:off x="4059251" y="2614564"/>
+            <a:ext cx="5084749" cy="4524315"/>
+          </a:xfrm>
+          <a:prstGeom prst="rect">
+            <a:avLst/>
+          </a:prstGeom>
+          <a:noFill/>
+        </p:spPr>
+        <p:txBody>
+          <a:bodyPr wrap="square" rtlCol="0">
+            <a:spAutoFit/>
+          </a:bodyPr>
+          <a:lstStyle/>
+          <a:p>
+            <a:r>
+              <a:rPr lang="it-IT" b="1" dirty="0"/>
+              <a:t>STATISTICS</a:t>
+            </a:r>
+            <a:r>
+              <a:rPr lang="it-IT" dirty="0"/>
+              <a:t> :</a:t>
+            </a:r>
+          </a:p>
+          <a:p>
+            <a:pPr marL="285750" indent="-285750">
+              <a:buFont typeface="Arial" panose="020B0604020202020204" pitchFamily="34" charset="0"/>
+              <a:buChar char="•"/>
+            </a:pPr>
+            <a:r>
+              <a:rPr lang="it-IT" dirty="0"/>
+              <a:t>Show the </a:t>
+            </a:r>
+            <a:r>
+              <a:rPr lang="it-IT" dirty="0" err="1"/>
+              <a:t>most</a:t>
+            </a:r>
+            <a:r>
+              <a:rPr lang="it-IT" dirty="0"/>
+              <a:t> </a:t>
+            </a:r>
+            <a:r>
+              <a:rPr lang="it-IT" dirty="0" err="1"/>
+              <a:t>watched</a:t>
+            </a:r>
+            <a:r>
+              <a:rPr lang="it-IT" dirty="0"/>
+              <a:t>/… anime of </a:t>
+            </a:r>
+            <a:r>
+              <a:rPr lang="it-IT" dirty="0" err="1"/>
+              <a:t>all</a:t>
+            </a:r>
+            <a:r>
+              <a:rPr lang="it-IT" dirty="0"/>
+              <a:t> time</a:t>
+            </a:r>
+          </a:p>
+          <a:p>
+            <a:pPr marL="285750" indent="-285750">
+              <a:buFont typeface="Arial" panose="020B0604020202020204" pitchFamily="34" charset="0"/>
+              <a:buChar char="•"/>
+            </a:pPr>
+            <a:r>
+              <a:rPr lang="it-IT" dirty="0"/>
+              <a:t>Show the </a:t>
+            </a:r>
+            <a:r>
+              <a:rPr lang="it-IT" dirty="0" err="1"/>
+              <a:t>most</a:t>
+            </a:r>
+            <a:r>
+              <a:rPr lang="it-IT" dirty="0"/>
+              <a:t> </a:t>
+            </a:r>
+            <a:r>
+              <a:rPr lang="it-IT" dirty="0" err="1"/>
+              <a:t>watched</a:t>
+            </a:r>
+            <a:r>
+              <a:rPr lang="it-IT" dirty="0"/>
+              <a:t>/… anime of last week</a:t>
+            </a:r>
+          </a:p>
+          <a:p>
+            <a:pPr marL="285750" indent="-285750">
+              <a:buFont typeface="Arial" panose="020B0604020202020204" pitchFamily="34" charset="0"/>
+              <a:buChar char="•"/>
+            </a:pPr>
+            <a:endParaRPr lang="it-IT" dirty="0"/>
+          </a:p>
+          <a:p>
+            <a:r>
+              <a:rPr lang="it-IT" b="1" dirty="0"/>
+              <a:t>SUGGESTIONS</a:t>
+            </a:r>
+            <a:r>
+              <a:rPr lang="it-IT" dirty="0"/>
+              <a:t> :</a:t>
+            </a:r>
+          </a:p>
+          <a:p>
+            <a:r>
+              <a:rPr lang="it-IT" b="1" dirty="0"/>
+              <a:t>Users</a:t>
+            </a:r>
+            <a:r>
+              <a:rPr lang="it-IT" dirty="0"/>
+              <a:t> -&gt;</a:t>
+            </a:r>
+          </a:p>
+          <a:p>
+            <a:pPr marL="285750" indent="-285750">
+              <a:buFont typeface="Arial" panose="020B0604020202020204" pitchFamily="34" charset="0"/>
+              <a:buChar char="•"/>
+            </a:pPr>
+            <a:r>
+              <a:rPr lang="it-IT" dirty="0" err="1"/>
+              <a:t>Based</a:t>
+            </a:r>
+            <a:r>
+              <a:rPr lang="it-IT" dirty="0"/>
+              <a:t> on friends of friends</a:t>
+            </a:r>
+          </a:p>
+          <a:p>
+            <a:r>
+              <a:rPr lang="it-IT" b="1" dirty="0"/>
+              <a:t>Anime</a:t>
+            </a:r>
+            <a:r>
+              <a:rPr lang="it-IT" dirty="0"/>
+              <a:t> -&gt;</a:t>
+            </a:r>
+          </a:p>
+          <a:p>
+            <a:pPr marL="285750" indent="-285750">
+              <a:buFont typeface="Arial" panose="020B0604020202020204" pitchFamily="34" charset="0"/>
+              <a:buChar char="•"/>
+            </a:pPr>
+            <a:r>
+              <a:rPr lang="it-IT" dirty="0" err="1"/>
+              <a:t>Based</a:t>
+            </a:r>
+            <a:r>
+              <a:rPr lang="it-IT" dirty="0"/>
+              <a:t> on friends’ lists</a:t>
+            </a:r>
+          </a:p>
+          <a:p>
+            <a:pPr marL="285750" indent="-285750">
+              <a:buFont typeface="Arial" panose="020B0604020202020204" pitchFamily="34" charset="0"/>
+              <a:buChar char="•"/>
+            </a:pPr>
+            <a:r>
+              <a:rPr lang="it-IT" dirty="0" err="1"/>
+              <a:t>Based</a:t>
+            </a:r>
+            <a:r>
+              <a:rPr lang="it-IT" dirty="0"/>
+              <a:t> on </a:t>
+            </a:r>
+            <a:r>
+              <a:rPr lang="it-IT" dirty="0" err="1"/>
+              <a:t>most</a:t>
+            </a:r>
+            <a:r>
+              <a:rPr lang="it-IT" dirty="0"/>
+              <a:t> </a:t>
+            </a:r>
+            <a:r>
+              <a:rPr lang="it-IT" dirty="0" err="1"/>
+              <a:t>liked</a:t>
+            </a:r>
+            <a:r>
+              <a:rPr lang="it-IT" dirty="0"/>
+              <a:t> anime by </a:t>
+            </a:r>
+            <a:r>
+              <a:rPr lang="it-IT" dirty="0" err="1"/>
+              <a:t>genres</a:t>
+            </a:r>
+            <a:r>
+              <a:rPr lang="it-IT" dirty="0"/>
+              <a:t> in </a:t>
+            </a:r>
+            <a:r>
+              <a:rPr lang="it-IT" dirty="0" err="1"/>
+              <a:t>user’s</a:t>
+            </a:r>
+            <a:r>
+              <a:rPr lang="it-IT" dirty="0"/>
+              <a:t> </a:t>
+            </a:r>
+            <a:r>
+              <a:rPr lang="it-IT" dirty="0" err="1"/>
+              <a:t>own</a:t>
+            </a:r>
+            <a:r>
+              <a:rPr lang="it-IT" dirty="0"/>
+              <a:t> lists</a:t>
+            </a:r>
+          </a:p>
+          <a:p>
+            <a:pPr marL="285750" indent="-285750">
+              <a:buFont typeface="Arial" panose="020B0604020202020204" pitchFamily="34" charset="0"/>
+              <a:buChar char="•"/>
+            </a:pPr>
+            <a:endParaRPr lang="it-IT" dirty="0"/>
+          </a:p>
+          <a:p>
+            <a:pPr marL="285750" indent="-285750">
+              <a:buFont typeface="Arial" panose="020B0604020202020204" pitchFamily="34" charset="0"/>
+              <a:buChar char="•"/>
+            </a:pPr>
+            <a:endParaRPr lang="it-IT" dirty="0"/>
+          </a:p>
+          <a:p>
+            <a:endParaRPr lang="it-IT" dirty="0"/>
+          </a:p>
+          <a:p>
+            <a:endParaRPr lang="it-IT" dirty="0"/>
+          </a:p>
+          <a:p>
+            <a:endParaRPr lang="en-GB" dirty="0"/>
+          </a:p>
+        </p:txBody>
+      </p:sp>
     </p:spTree>
     <p:extLst>
       <p:ext uri="{BB962C8B-B14F-4D97-AF65-F5344CB8AC3E}">

--- a/070_presentation/CarlonRiccardiElOurrak_ProjectDesignPresentation.pptx
+++ b/070_presentation/CarlonRiccardiElOurrak_ProjectDesignPresentation.pptx
@@ -4080,7 +4080,7 @@
         <p:spPr>
           <a:xfrm>
             <a:off x="0" y="952549"/>
-            <a:ext cx="2509838" cy="4524315"/>
+            <a:ext cx="2509838" cy="4801314"/>
           </a:xfrm>
           <a:prstGeom prst="rect">
             <a:avLst/>
@@ -4149,6 +4149,16 @@
             <a:r>
               <a:rPr lang="en-US" dirty="0"/>
               <a:t>Java FX</a:t>
+            </a:r>
+          </a:p>
+          <a:p>
+            <a:pPr marL="285750" indent="-285750">
+              <a:buFont typeface="Arial" panose="020B0604020202020204" pitchFamily="34" charset="0"/>
+              <a:buChar char="•"/>
+            </a:pPr>
+            <a:r>
+              <a:rPr lang="en-US" dirty="0"/>
+              <a:t>Spring</a:t>
             </a:r>
           </a:p>
           <a:p>
@@ -4438,8 +4448,8 @@
         </p:blipFill>
         <p:spPr bwMode="auto">
           <a:xfrm>
-            <a:off x="2414620" y="2165495"/>
-            <a:ext cx="3453290" cy="874114"/>
+            <a:off x="1511647" y="2387361"/>
+            <a:ext cx="2617568" cy="662572"/>
           </a:xfrm>
           <a:prstGeom prst="rect">
             <a:avLst/>
@@ -4485,8 +4495,8 @@
         </p:blipFill>
         <p:spPr bwMode="auto">
           <a:xfrm>
-            <a:off x="6497819" y="2165495"/>
-            <a:ext cx="2107797" cy="879327"/>
+            <a:off x="4360243" y="2387361"/>
+            <a:ext cx="1588223" cy="662572"/>
           </a:xfrm>
           <a:prstGeom prst="rect">
             <a:avLst/>
@@ -4628,6 +4638,53 @@
           <a:xfrm>
             <a:off x="5208545" y="4651121"/>
             <a:ext cx="1328027" cy="1328027"/>
+          </a:xfrm>
+          <a:prstGeom prst="rect">
+            <a:avLst/>
+          </a:prstGeom>
+          <a:noFill/>
+          <a:extLst>
+            <a:ext uri="{909E8E84-426E-40DD-AFC4-6F175D3DCCD1}">
+              <a14:hiddenFill xmlns:a14="http://schemas.microsoft.com/office/drawing/2010/main">
+                <a:solidFill>
+                  <a:srgbClr val="FFFFFF"/>
+                </a:solidFill>
+              </a14:hiddenFill>
+            </a:ext>
+          </a:extLst>
+        </p:spPr>
+      </p:pic>
+      <p:pic>
+        <p:nvPicPr>
+          <p:cNvPr id="1026" name="Picture 2">
+            <a:extLst>
+              <a:ext uri="{FF2B5EF4-FFF2-40B4-BE49-F238E27FC236}">
+                <a16:creationId xmlns:a16="http://schemas.microsoft.com/office/drawing/2014/main" id="{2C422B3B-A536-2046-7A25-3691DEDCEE53}"/>
+              </a:ext>
+            </a:extLst>
+          </p:cNvPr>
+          <p:cNvPicPr>
+            <a:picLocks noChangeAspect="1" noChangeArrowheads="1"/>
+          </p:cNvPicPr>
+          <p:nvPr/>
+        </p:nvPicPr>
+        <p:blipFill>
+          <a:blip r:embed="rId11">
+            <a:extLst>
+              <a:ext uri="{28A0092B-C50C-407E-A947-70E740481C1C}">
+                <a14:useLocalDpi xmlns:a14="http://schemas.microsoft.com/office/drawing/2010/main" val="0"/>
+              </a:ext>
+            </a:extLst>
+          </a:blip>
+          <a:srcRect/>
+          <a:stretch>
+            <a:fillRect/>
+          </a:stretch>
+        </p:blipFill>
+        <p:spPr bwMode="auto">
+          <a:xfrm>
+            <a:off x="6179494" y="2387361"/>
+            <a:ext cx="2617568" cy="662572"/>
           </a:xfrm>
           <a:prstGeom prst="rect">
             <a:avLst/>
@@ -4965,10 +5022,10 @@
       </p:sp>
       <p:pic>
         <p:nvPicPr>
-          <p:cNvPr id="5" name="Picture 4" descr="A screenshot of a computer screen&#10;&#10;Description automatically generated">
+          <p:cNvPr id="4" name="Picture 3" descr="A screenshot of a computer screen&#10;&#10;Description automatically generated">
             <a:extLst>
               <a:ext uri="{FF2B5EF4-FFF2-40B4-BE49-F238E27FC236}">
-                <a16:creationId xmlns:a16="http://schemas.microsoft.com/office/drawing/2014/main" id="{B9D8CE39-E3C6-F951-5F6F-F86D2D82C802}"/>
+                <a16:creationId xmlns:a16="http://schemas.microsoft.com/office/drawing/2014/main" id="{C07351BE-F4AB-E79A-B1A0-9B615AE5F5EE}"/>
               </a:ext>
             </a:extLst>
           </p:cNvPr>
@@ -4985,8 +5042,8 @@
         </p:blipFill>
         <p:spPr>
           <a:xfrm>
-            <a:off x="2766840" y="0"/>
-            <a:ext cx="6377159" cy="6858000"/>
+            <a:off x="2785035" y="83004"/>
+            <a:ext cx="6281271" cy="6710609"/>
           </a:xfrm>
           <a:prstGeom prst="rect">
             <a:avLst/>
@@ -5383,12 +5440,14 @@
         </p:nvSpPr>
         <p:spPr>
           <a:xfrm>
-            <a:off x="210305" y="90093"/>
-            <a:ext cx="8761797" cy="824307"/>
-          </a:xfrm>
-        </p:spPr>
-        <p:txBody>
-          <a:bodyPr/>
+            <a:off x="210305" y="1"/>
+            <a:ext cx="8761797" cy="651434"/>
+          </a:xfrm>
+        </p:spPr>
+        <p:txBody>
+          <a:bodyPr>
+            <a:normAutofit fontScale="90000"/>
+          </a:bodyPr>
           <a:lstStyle/>
           <a:p>
             <a:r>
@@ -5400,10 +5459,10 @@
       </p:sp>
       <p:pic>
         <p:nvPicPr>
-          <p:cNvPr id="9" name="Picture 8" descr="A screenshot of a computer&#10;&#10;Description automatically generated">
+          <p:cNvPr id="6" name="Picture 5" descr="A screenshot of a computer screen&#10;&#10;Description automatically generated">
             <a:extLst>
               <a:ext uri="{FF2B5EF4-FFF2-40B4-BE49-F238E27FC236}">
-                <a16:creationId xmlns:a16="http://schemas.microsoft.com/office/drawing/2014/main" id="{FE6DC593-4A4B-EC30-119B-997AF56BEFEA}"/>
+                <a16:creationId xmlns:a16="http://schemas.microsoft.com/office/drawing/2014/main" id="{956FB0B6-D5F3-61AB-DEE8-EFD3EED4FF4C}"/>
               </a:ext>
             </a:extLst>
           </p:cNvPr>
@@ -5420,8 +5479,8 @@
         </p:blipFill>
         <p:spPr>
           <a:xfrm>
-            <a:off x="2552700" y="830181"/>
-            <a:ext cx="4789118" cy="5844940"/>
+            <a:off x="2504140" y="651435"/>
+            <a:ext cx="5152705" cy="6031363"/>
           </a:xfrm>
           <a:prstGeom prst="rect">
             <a:avLst/>
@@ -5789,6 +5848,14 @@
             </a:r>
             <a:r>
               <a:rPr lang="it-IT" sz="1800" dirty="0" err="1"/>
+              <a:t>added</a:t>
+            </a:r>
+            <a:r>
+              <a:rPr lang="it-IT" sz="1800" dirty="0"/>
+              <a:t> or </a:t>
+            </a:r>
+            <a:r>
+              <a:rPr lang="it-IT" sz="1800" dirty="0" err="1"/>
               <a:t>removed</a:t>
             </a:r>
             <a:r>
@@ -5828,7 +5895,7 @@
             </a:r>
             <a:r>
               <a:rPr lang="it-IT" sz="1800" dirty="0"/>
-              <a:t> of user passwords (?)</a:t>
+              <a:t> of passwords</a:t>
             </a:r>
             <a:endParaRPr lang="en-GB" sz="1800" dirty="0"/>
           </a:p>
@@ -6256,7 +6323,7 @@
         <p:spPr>
           <a:xfrm>
             <a:off x="367469" y="1258730"/>
-            <a:ext cx="8409061" cy="5909310"/>
+            <a:ext cx="8409061" cy="4708981"/>
           </a:xfrm>
           <a:prstGeom prst="rect">
             <a:avLst/>
@@ -6270,11 +6337,11 @@
           <a:lstStyle/>
           <a:p>
             <a:r>
-              <a:rPr lang="it-IT" dirty="0" err="1"/>
+              <a:rPr lang="it-IT" sz="2000" dirty="0" err="1"/>
               <a:t>Entities</a:t>
             </a:r>
             <a:r>
-              <a:rPr lang="it-IT" dirty="0"/>
+              <a:rPr lang="it-IT" sz="2000" dirty="0"/>
               <a:t> :</a:t>
             </a:r>
           </a:p>
@@ -6284,7 +6351,7 @@
               <a:buChar char="•"/>
             </a:pPr>
             <a:r>
-              <a:rPr lang="it-IT" dirty="0"/>
+              <a:rPr lang="it-IT" sz="2000" b="1" dirty="0"/>
               <a:t>Anime</a:t>
             </a:r>
           </a:p>
@@ -6294,7 +6361,7 @@
               <a:buChar char="•"/>
             </a:pPr>
             <a:r>
-              <a:rPr lang="it-IT" dirty="0"/>
+              <a:rPr lang="it-IT" sz="2000" b="1" dirty="0"/>
               <a:t>User</a:t>
             </a:r>
           </a:p>
@@ -6304,7 +6371,7 @@
               <a:buChar char="•"/>
             </a:pPr>
             <a:r>
-              <a:rPr lang="it-IT" dirty="0"/>
+              <a:rPr lang="it-IT" sz="2000" b="1" dirty="0"/>
               <a:t>Review</a:t>
             </a:r>
           </a:p>
@@ -6313,11 +6380,11 @@
               <a:buFont typeface="Arial" panose="020B0604020202020204" pitchFamily="34" charset="0"/>
               <a:buChar char="•"/>
             </a:pPr>
-            <a:endParaRPr lang="it-IT" dirty="0"/>
-          </a:p>
-          <a:p>
-            <a:r>
-              <a:rPr lang="it-IT" dirty="0"/>
+            <a:endParaRPr lang="it-IT" sz="2000" dirty="0"/>
+          </a:p>
+          <a:p>
+            <a:r>
+              <a:rPr lang="it-IT" sz="2000" dirty="0"/>
               <a:t>Queries :</a:t>
             </a:r>
           </a:p>
@@ -6327,14 +6394,14 @@
               <a:buChar char="•"/>
             </a:pPr>
             <a:r>
-              <a:rPr lang="it-IT" dirty="0"/>
+              <a:rPr lang="it-IT" sz="2000" dirty="0"/>
               <a:t>Show Anime </a:t>
             </a:r>
             <a:r>
-              <a:rPr lang="it-IT" dirty="0" err="1"/>
+              <a:rPr lang="it-IT" sz="2000" dirty="0" err="1"/>
               <a:t>details</a:t>
             </a:r>
-            <a:endParaRPr lang="it-IT" dirty="0"/>
+            <a:endParaRPr lang="it-IT" sz="2000" dirty="0"/>
           </a:p>
           <a:p>
             <a:pPr marL="285750" indent="-285750">
@@ -6342,22 +6409,22 @@
               <a:buChar char="•"/>
             </a:pPr>
             <a:r>
-              <a:rPr lang="it-IT" dirty="0"/>
+              <a:rPr lang="it-IT" sz="2000" dirty="0"/>
               <a:t>Show user </a:t>
             </a:r>
             <a:r>
-              <a:rPr lang="it-IT" dirty="0" err="1"/>
+              <a:rPr lang="it-IT" sz="2000" dirty="0" err="1"/>
               <a:t>details</a:t>
             </a:r>
             <a:r>
-              <a:rPr lang="it-IT" dirty="0"/>
+              <a:rPr lang="it-IT" sz="2000" dirty="0"/>
               <a:t>/</a:t>
             </a:r>
             <a:r>
-              <a:rPr lang="it-IT" dirty="0" err="1"/>
+              <a:rPr lang="it-IT" sz="2000" dirty="0" err="1"/>
               <a:t>credentials</a:t>
             </a:r>
-            <a:endParaRPr lang="it-IT" dirty="0"/>
+            <a:endParaRPr lang="it-IT" sz="2000" dirty="0"/>
           </a:p>
           <a:p>
             <a:pPr marL="285750" indent="-285750">
@@ -6365,56 +6432,16 @@
               <a:buChar char="•"/>
             </a:pPr>
             <a:r>
-              <a:rPr lang="it-IT" dirty="0"/>
-              <a:t>Show </a:t>
-            </a:r>
-            <a:r>
-              <a:rPr lang="it-IT" dirty="0" err="1"/>
-              <a:t>user’s</a:t>
-            </a:r>
-            <a:r>
-              <a:rPr lang="it-IT" dirty="0"/>
-              <a:t> lists of anime (</a:t>
-            </a:r>
-            <a:r>
-              <a:rPr lang="it-IT" dirty="0" err="1"/>
-              <a:t>completed</a:t>
-            </a:r>
-            <a:r>
-              <a:rPr lang="it-IT" dirty="0"/>
-              <a:t>, </a:t>
-            </a:r>
-            <a:r>
-              <a:rPr lang="it-IT" dirty="0" err="1"/>
-              <a:t>watching</a:t>
-            </a:r>
-            <a:r>
-              <a:rPr lang="it-IT" dirty="0"/>
-              <a:t>, </a:t>
-            </a:r>
-            <a:r>
-              <a:rPr lang="it-IT" dirty="0" err="1"/>
-              <a:t>on_hold</a:t>
-            </a:r>
-            <a:r>
-              <a:rPr lang="it-IT" dirty="0"/>
-              <a:t>, </a:t>
-            </a:r>
-            <a:r>
-              <a:rPr lang="it-IT" dirty="0" err="1"/>
-              <a:t>dropped</a:t>
-            </a:r>
-            <a:r>
-              <a:rPr lang="it-IT" dirty="0"/>
-              <a:t>, </a:t>
-            </a:r>
-            <a:r>
-              <a:rPr lang="it-IT" dirty="0" err="1"/>
-              <a:t>plan_to_watch</a:t>
-            </a:r>
-            <a:r>
-              <a:rPr lang="it-IT" dirty="0"/>
-              <a:t>)</a:t>
+              <a:rPr lang="it-IT" sz="2000" dirty="0"/>
+              <a:t>Show anime with </a:t>
+            </a:r>
+            <a:r>
+              <a:rPr lang="it-IT" sz="2000" dirty="0" err="1"/>
+              <a:t>highest</a:t>
+            </a:r>
+            <a:r>
+              <a:rPr lang="it-IT" sz="2000" dirty="0"/>
+              <a:t> score</a:t>
             </a:r>
           </a:p>
           <a:p>
@@ -6423,24 +6450,16 @@
               <a:buChar char="•"/>
             </a:pPr>
             <a:r>
-              <a:rPr lang="it-IT" dirty="0"/>
+              <a:rPr lang="it-IT" sz="2000" dirty="0"/>
               <a:t>Show </a:t>
             </a:r>
             <a:r>
-              <a:rPr lang="it-IT" dirty="0" err="1"/>
+              <a:rPr lang="it-IT" sz="2000" dirty="0" err="1"/>
               <a:t>user’s</a:t>
             </a:r>
             <a:r>
-              <a:rPr lang="it-IT" dirty="0"/>
-              <a:t> </a:t>
-            </a:r>
-            <a:r>
-              <a:rPr lang="it-IT" dirty="0" err="1"/>
-              <a:t>own</a:t>
-            </a:r>
-            <a:r>
-              <a:rPr lang="it-IT" dirty="0"/>
-              <a:t> review for anime</a:t>
+              <a:rPr lang="it-IT" sz="2000" dirty="0"/>
+              <a:t> review per anime</a:t>
             </a:r>
           </a:p>
           <a:p>
@@ -6449,25 +6468,22 @@
               <a:buChar char="•"/>
             </a:pPr>
             <a:r>
-              <a:rPr lang="it-IT" dirty="0"/>
-              <a:t>Show </a:t>
-            </a:r>
-            <a:r>
-              <a:rPr lang="it-IT" dirty="0" err="1"/>
-              <a:t>user’s</a:t>
-            </a:r>
-            <a:r>
-              <a:rPr lang="it-IT" dirty="0"/>
-              <a:t> </a:t>
-            </a:r>
-            <a:r>
-              <a:rPr lang="it-IT" dirty="0" err="1"/>
-              <a:t>own</a:t>
-            </a:r>
-            <a:r>
-              <a:rPr lang="it-IT" dirty="0"/>
-              <a:t> list of reviews</a:t>
-            </a:r>
+              <a:rPr lang="it-IT" sz="2000" dirty="0"/>
+              <a:t>Show anime </a:t>
+            </a:r>
+            <a:r>
+              <a:rPr lang="it-IT" sz="2000" dirty="0" err="1"/>
+              <a:t>number</a:t>
+            </a:r>
+            <a:r>
+              <a:rPr lang="it-IT" sz="2000" dirty="0"/>
+              <a:t> of </a:t>
+            </a:r>
+            <a:r>
+              <a:rPr lang="it-IT" sz="2000" dirty="0" err="1"/>
+              <a:t>watchers</a:t>
+            </a:r>
+            <a:endParaRPr lang="it-IT" sz="2000" dirty="0"/>
           </a:p>
           <a:p>
             <a:pPr marL="285750" indent="-285750">
@@ -6475,39 +6491,23 @@
               <a:buChar char="•"/>
             </a:pPr>
             <a:r>
-              <a:rPr lang="it-IT" dirty="0"/>
-              <a:t>Show </a:t>
-            </a:r>
-            <a:r>
-              <a:rPr lang="it-IT" dirty="0" err="1"/>
-              <a:t>user’s</a:t>
-            </a:r>
-            <a:r>
-              <a:rPr lang="it-IT" dirty="0"/>
+              <a:rPr lang="it-IT" sz="2000" dirty="0"/>
+              <a:t>Show anime </a:t>
+            </a:r>
+            <a:r>
+              <a:rPr lang="it-IT" sz="2000" dirty="0" err="1"/>
+              <a:t>most</a:t>
+            </a:r>
+            <a:r>
+              <a:rPr lang="it-IT" sz="2000" dirty="0"/>
               <a:t> </a:t>
             </a:r>
             <a:r>
-              <a:rPr lang="it-IT" dirty="0" err="1"/>
-              <a:t>own</a:t>
-            </a:r>
-            <a:r>
-              <a:rPr lang="it-IT" dirty="0"/>
-              <a:t> </a:t>
-            </a:r>
-            <a:r>
-              <a:rPr lang="it-IT" dirty="0" err="1"/>
-              <a:t>most</a:t>
-            </a:r>
-            <a:r>
-              <a:rPr lang="it-IT" dirty="0"/>
-              <a:t> </a:t>
-            </a:r>
-            <a:r>
-              <a:rPr lang="it-IT" dirty="0" err="1"/>
+              <a:rPr lang="it-IT" sz="2000" dirty="0" err="1"/>
               <a:t>recent</a:t>
             </a:r>
             <a:r>
-              <a:rPr lang="it-IT" dirty="0"/>
+              <a:rPr lang="it-IT" sz="2000" dirty="0"/>
               <a:t> reviews</a:t>
             </a:r>
           </a:p>
@@ -6517,17 +6517,14 @@
               <a:buChar char="•"/>
             </a:pPr>
             <a:r>
-              <a:rPr lang="it-IT" dirty="0"/>
-              <a:t>Show anime </a:t>
-            </a:r>
-            <a:r>
-              <a:rPr lang="it-IT" dirty="0" err="1"/>
-              <a:t>average</a:t>
-            </a:r>
-            <a:r>
-              <a:rPr lang="it-IT" dirty="0"/>
-              <a:t> rating</a:t>
-            </a:r>
+              <a:rPr lang="it-IT" sz="2000" dirty="0"/>
+              <a:t>Top anime by </a:t>
+            </a:r>
+            <a:r>
+              <a:rPr lang="it-IT" sz="2000" dirty="0" err="1"/>
+              <a:t>genre</a:t>
+            </a:r>
+            <a:endParaRPr lang="it-IT" sz="2000" dirty="0"/>
           </a:p>
           <a:p>
             <a:pPr marL="285750" indent="-285750">
@@ -6535,88 +6532,28 @@
               <a:buChar char="•"/>
             </a:pPr>
             <a:r>
-              <a:rPr lang="it-IT" dirty="0"/>
-              <a:t>Show anime </a:t>
-            </a:r>
-            <a:r>
-              <a:rPr lang="it-IT" dirty="0" err="1"/>
-              <a:t>number</a:t>
-            </a:r>
-            <a:r>
-              <a:rPr lang="it-IT" dirty="0"/>
-              <a:t> of followers</a:t>
-            </a:r>
-          </a:p>
-          <a:p>
-            <a:pPr marL="285750" indent="-285750">
-              <a:buFont typeface="Arial" panose="020B0604020202020204" pitchFamily="34" charset="0"/>
-              <a:buChar char="•"/>
-            </a:pPr>
-            <a:r>
-              <a:rPr lang="it-IT" dirty="0"/>
-              <a:t>Show anime </a:t>
-            </a:r>
-            <a:r>
-              <a:rPr lang="it-IT" dirty="0" err="1"/>
+              <a:rPr lang="it-IT" sz="2000" dirty="0"/>
+              <a:t>Show </a:t>
+            </a:r>
+            <a:r>
+              <a:rPr lang="it-IT" sz="2000" dirty="0" err="1"/>
               <a:t>most</a:t>
             </a:r>
             <a:r>
-              <a:rPr lang="it-IT" dirty="0"/>
+              <a:rPr lang="it-IT" sz="2000" dirty="0"/>
               <a:t> </a:t>
             </a:r>
             <a:r>
-              <a:rPr lang="it-IT" dirty="0" err="1"/>
-              <a:t>recent</a:t>
-            </a:r>
-            <a:r>
-              <a:rPr lang="it-IT" dirty="0"/>
-              <a:t> reviews</a:t>
-            </a:r>
-          </a:p>
-          <a:p>
-            <a:pPr marL="285750" indent="-285750">
-              <a:buFont typeface="Arial" panose="020B0604020202020204" pitchFamily="34" charset="0"/>
-              <a:buChar char="•"/>
-            </a:pPr>
-            <a:r>
-              <a:rPr lang="it-IT" dirty="0"/>
-              <a:t>Show anime list of reviews</a:t>
-            </a:r>
-          </a:p>
-          <a:p>
-            <a:pPr marL="285750" indent="-285750">
-              <a:buFont typeface="Arial" panose="020B0604020202020204" pitchFamily="34" charset="0"/>
-              <a:buChar char="•"/>
-            </a:pPr>
-            <a:r>
-              <a:rPr lang="it-IT" dirty="0"/>
-              <a:t>Top anime by </a:t>
-            </a:r>
-            <a:r>
-              <a:rPr lang="it-IT" dirty="0" err="1"/>
-              <a:t>genre</a:t>
-            </a:r>
-            <a:endParaRPr lang="it-IT" dirty="0"/>
-          </a:p>
-          <a:p>
-            <a:pPr marL="285750" indent="-285750">
-              <a:buFont typeface="Arial" panose="020B0604020202020204" pitchFamily="34" charset="0"/>
-              <a:buChar char="•"/>
-            </a:pPr>
-            <a:endParaRPr lang="it-IT" dirty="0"/>
-          </a:p>
-          <a:p>
-            <a:pPr marL="285750" indent="-285750">
-              <a:buFont typeface="Arial" panose="020B0604020202020204" pitchFamily="34" charset="0"/>
-              <a:buChar char="•"/>
-            </a:pPr>
-            <a:endParaRPr lang="it-IT" dirty="0"/>
-          </a:p>
-          <a:p>
-            <a:endParaRPr lang="it-IT" dirty="0"/>
-          </a:p>
-          <a:p>
-            <a:endParaRPr lang="en-GB" dirty="0"/>
+              <a:rPr lang="it-IT" sz="2000" dirty="0" err="1"/>
+              <a:t>reviewed</a:t>
+            </a:r>
+            <a:r>
+              <a:rPr lang="it-IT" sz="2000" dirty="0"/>
+              <a:t> anime in the last week</a:t>
+            </a:r>
+          </a:p>
+          <a:p>
+            <a:endParaRPr lang="en-GB" sz="2000" dirty="0"/>
           </a:p>
         </p:txBody>
       </p:sp>
@@ -6650,12 +6587,456 @@
           <a:chExt cx="0" cy="0"/>
         </a:xfrm>
       </p:grpSpPr>
+      <p:sp>
+        <p:nvSpPr>
+          <p:cNvPr id="2" name="Titolo 1">
+            <a:extLst>
+              <a:ext uri="{FF2B5EF4-FFF2-40B4-BE49-F238E27FC236}">
+                <a16:creationId xmlns:a16="http://schemas.microsoft.com/office/drawing/2014/main" id="{B8C7EEC7-48BB-B542-9A2A-E3C09D99B916}"/>
+              </a:ext>
+            </a:extLst>
+          </p:cNvPr>
+          <p:cNvSpPr>
+            <a:spLocks noGrp="1"/>
+          </p:cNvSpPr>
+          <p:nvPr>
+            <p:ph type="title"/>
+          </p:nvPr>
+        </p:nvSpPr>
+        <p:spPr>
+          <a:xfrm>
+            <a:off x="198192" y="0"/>
+            <a:ext cx="8747613" cy="1143000"/>
+          </a:xfrm>
+        </p:spPr>
+        <p:txBody>
+          <a:bodyPr>
+            <a:normAutofit fontScale="90000"/>
+          </a:bodyPr>
+          <a:lstStyle/>
+          <a:p>
+            <a:r>
+              <a:rPr lang="en-US" dirty="0"/>
+              <a:t>Requirements and Entities </a:t>
+            </a:r>
+            <a:br>
+              <a:rPr lang="en-US" dirty="0"/>
+            </a:br>
+            <a:r>
+              <a:rPr lang="en-US" dirty="0"/>
+              <a:t>handled by Graph DB</a:t>
+            </a:r>
+          </a:p>
+        </p:txBody>
+      </p:sp>
+      <p:sp>
+        <p:nvSpPr>
+          <p:cNvPr id="3" name="TextBox 2">
+            <a:extLst>
+              <a:ext uri="{FF2B5EF4-FFF2-40B4-BE49-F238E27FC236}">
+                <a16:creationId xmlns:a16="http://schemas.microsoft.com/office/drawing/2014/main" id="{B523F3A5-FDF9-DBA6-8016-CDCD625DCCD6}"/>
+              </a:ext>
+            </a:extLst>
+          </p:cNvPr>
+          <p:cNvSpPr txBox="1"/>
+          <p:nvPr/>
+        </p:nvSpPr>
+        <p:spPr>
+          <a:xfrm>
+            <a:off x="0" y="2916234"/>
+            <a:ext cx="3536320" cy="2585323"/>
+          </a:xfrm>
+          <a:prstGeom prst="rect">
+            <a:avLst/>
+          </a:prstGeom>
+          <a:noFill/>
+        </p:spPr>
+        <p:txBody>
+          <a:bodyPr wrap="square" rtlCol="0">
+            <a:spAutoFit/>
+          </a:bodyPr>
+          <a:lstStyle/>
+          <a:p>
+            <a:r>
+              <a:rPr lang="it-IT" dirty="0" err="1"/>
+              <a:t>Entities</a:t>
+            </a:r>
+            <a:r>
+              <a:rPr lang="it-IT" dirty="0"/>
+              <a:t> :</a:t>
+            </a:r>
+          </a:p>
+          <a:p>
+            <a:pPr marL="285750" indent="-285750">
+              <a:buFont typeface="Arial" panose="020B0604020202020204" pitchFamily="34" charset="0"/>
+              <a:buChar char="•"/>
+            </a:pPr>
+            <a:r>
+              <a:rPr lang="it-IT" b="1" dirty="0"/>
+              <a:t>Anime</a:t>
+            </a:r>
+          </a:p>
+          <a:p>
+            <a:pPr marL="285750" indent="-285750">
+              <a:buFont typeface="Arial" panose="020B0604020202020204" pitchFamily="34" charset="0"/>
+              <a:buChar char="•"/>
+            </a:pPr>
+            <a:r>
+              <a:rPr lang="en-GB" b="1" dirty="0"/>
+              <a:t>User</a:t>
+            </a:r>
+          </a:p>
+          <a:p>
+            <a:endParaRPr lang="en-GB" dirty="0"/>
+          </a:p>
+          <a:p>
+            <a:r>
+              <a:rPr lang="en-GB" dirty="0"/>
+              <a:t>Relationships :</a:t>
+            </a:r>
+          </a:p>
+          <a:p>
+            <a:pPr marL="285750" indent="-285750">
+              <a:buFont typeface="Arial" panose="020B0604020202020204" pitchFamily="34" charset="0"/>
+              <a:buChar char="•"/>
+            </a:pPr>
+            <a:r>
+              <a:rPr lang="en-GB" b="1" dirty="0"/>
+              <a:t>RELATED_TO</a:t>
+            </a:r>
+          </a:p>
+          <a:p>
+            <a:pPr marL="285750" indent="-285750">
+              <a:buFont typeface="Arial" panose="020B0604020202020204" pitchFamily="34" charset="0"/>
+              <a:buChar char="•"/>
+            </a:pPr>
+            <a:r>
+              <a:rPr lang="en-GB" b="1" dirty="0"/>
+              <a:t>IS_FRIEND_WITH</a:t>
+            </a:r>
+          </a:p>
+          <a:p>
+            <a:pPr marL="285750" indent="-285750">
+              <a:buFont typeface="Arial" panose="020B0604020202020204" pitchFamily="34" charset="0"/>
+              <a:buChar char="•"/>
+            </a:pPr>
+            <a:r>
+              <a:rPr lang="en-GB" b="1" dirty="0"/>
+              <a:t>WATCHES</a:t>
+            </a:r>
+            <a:r>
+              <a:rPr lang="en-GB" dirty="0"/>
+              <a:t> (in which list an anime is for a specific user)</a:t>
+            </a:r>
+          </a:p>
+        </p:txBody>
+      </p:sp>
+      <p:sp>
+        <p:nvSpPr>
+          <p:cNvPr id="4" name="TextBox 3">
+            <a:extLst>
+              <a:ext uri="{FF2B5EF4-FFF2-40B4-BE49-F238E27FC236}">
+                <a16:creationId xmlns:a16="http://schemas.microsoft.com/office/drawing/2014/main" id="{F5D826E1-8599-7C42-3831-55733A014DEE}"/>
+              </a:ext>
+            </a:extLst>
+          </p:cNvPr>
+          <p:cNvSpPr txBox="1"/>
+          <p:nvPr/>
+        </p:nvSpPr>
+        <p:spPr>
+          <a:xfrm>
+            <a:off x="4059251" y="2883505"/>
+            <a:ext cx="5084749" cy="2862322"/>
+          </a:xfrm>
+          <a:prstGeom prst="rect">
+            <a:avLst/>
+          </a:prstGeom>
+          <a:noFill/>
+        </p:spPr>
+        <p:txBody>
+          <a:bodyPr wrap="square" rtlCol="0">
+            <a:spAutoFit/>
+          </a:bodyPr>
+          <a:lstStyle/>
+          <a:p>
+            <a:r>
+              <a:rPr lang="it-IT" b="1" dirty="0"/>
+              <a:t>QUERIES</a:t>
+            </a:r>
+            <a:r>
+              <a:rPr lang="it-IT" dirty="0"/>
+              <a:t> :</a:t>
+            </a:r>
+          </a:p>
+          <a:p>
+            <a:pPr marL="285750" indent="-285750">
+              <a:buFont typeface="Arial" panose="020B0604020202020204" pitchFamily="34" charset="0"/>
+              <a:buChar char="•"/>
+            </a:pPr>
+            <a:r>
+              <a:rPr lang="it-IT" dirty="0"/>
+              <a:t>Show the </a:t>
+            </a:r>
+            <a:r>
+              <a:rPr lang="it-IT" dirty="0" err="1"/>
+              <a:t>most</a:t>
+            </a:r>
+            <a:r>
+              <a:rPr lang="it-IT" dirty="0"/>
+              <a:t> </a:t>
+            </a:r>
+            <a:r>
+              <a:rPr lang="it-IT" dirty="0" err="1"/>
+              <a:t>watched</a:t>
+            </a:r>
+            <a:r>
+              <a:rPr lang="it-IT" dirty="0"/>
+              <a:t> anime by the </a:t>
+            </a:r>
+            <a:r>
+              <a:rPr lang="it-IT" dirty="0" err="1"/>
+              <a:t>most</a:t>
+            </a:r>
+            <a:r>
+              <a:rPr lang="it-IT" dirty="0"/>
+              <a:t> </a:t>
+            </a:r>
+            <a:r>
+              <a:rPr lang="it-IT" dirty="0" err="1"/>
+              <a:t>numerous</a:t>
+            </a:r>
+            <a:r>
+              <a:rPr lang="it-IT" dirty="0"/>
+              <a:t> group of friends</a:t>
+            </a:r>
+          </a:p>
+          <a:p>
+            <a:pPr marL="285750" indent="-285750">
+              <a:buFont typeface="Arial" panose="020B0604020202020204" pitchFamily="34" charset="0"/>
+              <a:buChar char="•"/>
+            </a:pPr>
+            <a:r>
+              <a:rPr lang="it-IT" dirty="0"/>
+              <a:t>Anime </a:t>
+            </a:r>
+            <a:r>
+              <a:rPr lang="it-IT" dirty="0" err="1"/>
+              <a:t>most</a:t>
+            </a:r>
+            <a:r>
+              <a:rPr lang="it-IT" dirty="0"/>
+              <a:t> </a:t>
+            </a:r>
+            <a:r>
+              <a:rPr lang="it-IT" dirty="0" err="1"/>
+              <a:t>watched</a:t>
+            </a:r>
+            <a:r>
+              <a:rPr lang="it-IT" dirty="0"/>
+              <a:t> </a:t>
+            </a:r>
+            <a:r>
+              <a:rPr lang="it-IT" dirty="0" err="1"/>
+              <a:t>among</a:t>
+            </a:r>
+            <a:r>
+              <a:rPr lang="it-IT" dirty="0"/>
+              <a:t> </a:t>
+            </a:r>
+            <a:r>
+              <a:rPr lang="it-IT" dirty="0" err="1"/>
+              <a:t>my</a:t>
+            </a:r>
+            <a:r>
+              <a:rPr lang="it-IT" dirty="0"/>
+              <a:t> friends</a:t>
+            </a:r>
+          </a:p>
+          <a:p>
+            <a:pPr marL="285750" indent="-285750">
+              <a:buFont typeface="Arial" panose="020B0604020202020204" pitchFamily="34" charset="0"/>
+              <a:buChar char="•"/>
+            </a:pPr>
+            <a:r>
+              <a:rPr lang="it-IT" dirty="0" err="1"/>
+              <a:t>Recommend</a:t>
+            </a:r>
+            <a:r>
+              <a:rPr lang="it-IT" dirty="0"/>
+              <a:t> anime </a:t>
+            </a:r>
+            <a:r>
+              <a:rPr lang="it-IT" dirty="0" err="1"/>
+              <a:t>that</a:t>
+            </a:r>
+            <a:r>
+              <a:rPr lang="it-IT" dirty="0"/>
+              <a:t> </a:t>
+            </a:r>
+            <a:r>
+              <a:rPr lang="it-IT" dirty="0" err="1"/>
+              <a:t>is</a:t>
+            </a:r>
+            <a:r>
+              <a:rPr lang="it-IT" dirty="0"/>
+              <a:t> </a:t>
+            </a:r>
+            <a:r>
+              <a:rPr lang="it-IT" dirty="0" err="1"/>
+              <a:t>related</a:t>
+            </a:r>
+            <a:r>
+              <a:rPr lang="it-IT" dirty="0"/>
+              <a:t> to </a:t>
+            </a:r>
+            <a:r>
+              <a:rPr lang="it-IT" dirty="0" err="1"/>
+              <a:t>another</a:t>
+            </a:r>
+            <a:r>
+              <a:rPr lang="it-IT" dirty="0"/>
+              <a:t> one </a:t>
+            </a:r>
+            <a:r>
+              <a:rPr lang="it-IT" dirty="0" err="1"/>
+              <a:t>that</a:t>
+            </a:r>
+            <a:r>
+              <a:rPr lang="it-IT" dirty="0"/>
+              <a:t> the user </a:t>
+            </a:r>
+            <a:r>
+              <a:rPr lang="it-IT" dirty="0" err="1"/>
+              <a:t>has</a:t>
+            </a:r>
+            <a:r>
+              <a:rPr lang="it-IT" dirty="0"/>
+              <a:t> </a:t>
+            </a:r>
+            <a:r>
+              <a:rPr lang="it-IT" dirty="0" err="1"/>
+              <a:t>watched</a:t>
+            </a:r>
+            <a:endParaRPr lang="it-IT" dirty="0"/>
+          </a:p>
+          <a:p>
+            <a:pPr marL="285750" indent="-285750">
+              <a:buFont typeface="Arial" panose="020B0604020202020204" pitchFamily="34" charset="0"/>
+              <a:buChar char="•"/>
+            </a:pPr>
+            <a:r>
+              <a:rPr lang="it-IT" dirty="0"/>
+              <a:t>Rank friends </a:t>
+            </a:r>
+            <a:r>
+              <a:rPr lang="it-IT" dirty="0" err="1"/>
+              <a:t>based</a:t>
+            </a:r>
+            <a:r>
+              <a:rPr lang="it-IT" dirty="0"/>
+              <a:t> on </a:t>
+            </a:r>
+            <a:r>
+              <a:rPr lang="it-IT" dirty="0" err="1"/>
+              <a:t>most</a:t>
+            </a:r>
+            <a:r>
+              <a:rPr lang="it-IT" dirty="0"/>
+              <a:t> anime </a:t>
+            </a:r>
+            <a:r>
+              <a:rPr lang="it-IT" dirty="0" err="1"/>
+              <a:t>watched</a:t>
+            </a:r>
+            <a:endParaRPr lang="it-IT" dirty="0"/>
+          </a:p>
+          <a:p>
+            <a:pPr marL="285750" indent="-285750">
+              <a:buFont typeface="Arial" panose="020B0604020202020204" pitchFamily="34" charset="0"/>
+              <a:buChar char="•"/>
+            </a:pPr>
+            <a:r>
+              <a:rPr lang="it-IT" dirty="0" err="1"/>
+              <a:t>Recommend</a:t>
+            </a:r>
+            <a:r>
+              <a:rPr lang="it-IT" dirty="0"/>
+              <a:t> new friend </a:t>
+            </a:r>
+            <a:r>
+              <a:rPr lang="it-IT" dirty="0" err="1"/>
+              <a:t>based</a:t>
+            </a:r>
+            <a:r>
+              <a:rPr lang="it-IT" dirty="0"/>
+              <a:t> on common </a:t>
+            </a:r>
+            <a:r>
+              <a:rPr lang="it-IT" dirty="0" err="1"/>
+              <a:t>tastes</a:t>
+            </a:r>
+            <a:endParaRPr lang="it-IT" dirty="0"/>
+          </a:p>
+          <a:p>
+            <a:pPr marL="285750" indent="-285750">
+              <a:buFont typeface="Arial" panose="020B0604020202020204" pitchFamily="34" charset="0"/>
+              <a:buChar char="•"/>
+            </a:pPr>
+            <a:r>
+              <a:rPr lang="it-IT" dirty="0"/>
+              <a:t>Show </a:t>
+            </a:r>
+            <a:r>
+              <a:rPr lang="it-IT" dirty="0" err="1"/>
+              <a:t>most</a:t>
+            </a:r>
+            <a:r>
+              <a:rPr lang="it-IT" dirty="0"/>
+              <a:t> </a:t>
+            </a:r>
+            <a:r>
+              <a:rPr lang="it-IT" dirty="0" err="1"/>
+              <a:t>watched</a:t>
+            </a:r>
+            <a:r>
+              <a:rPr lang="it-IT" dirty="0"/>
+              <a:t> anime franchise</a:t>
+            </a:r>
+          </a:p>
+          <a:p>
+            <a:pPr marL="285750" indent="-285750">
+              <a:buFont typeface="Arial" panose="020B0604020202020204" pitchFamily="34" charset="0"/>
+              <a:buChar char="•"/>
+            </a:pPr>
+            <a:r>
+              <a:rPr lang="it-IT" dirty="0"/>
+              <a:t>Show </a:t>
+            </a:r>
+            <a:r>
+              <a:rPr lang="it-IT" dirty="0" err="1"/>
+              <a:t>most</a:t>
+            </a:r>
+            <a:r>
+              <a:rPr lang="it-IT" dirty="0"/>
+              <a:t> </a:t>
+            </a:r>
+            <a:r>
+              <a:rPr lang="it-IT" dirty="0" err="1"/>
+              <a:t>dropped</a:t>
+            </a:r>
+            <a:r>
+              <a:rPr lang="it-IT" dirty="0"/>
+              <a:t> anime</a:t>
+            </a:r>
+          </a:p>
+        </p:txBody>
+      </p:sp>
       <p:pic>
         <p:nvPicPr>
-          <p:cNvPr id="6" name="Picture 5" descr="A black and pink circle with black text&#10;&#10;Description automatically generated">
+          <p:cNvPr id="7" name="Picture 6" descr="A black background with a black square&#10;&#10;Description automatically generated with medium confidence">
             <a:extLst>
               <a:ext uri="{FF2B5EF4-FFF2-40B4-BE49-F238E27FC236}">
-                <a16:creationId xmlns:a16="http://schemas.microsoft.com/office/drawing/2014/main" id="{CB56E956-B9B4-DFC8-B34E-96EC91E71431}"/>
+                <a16:creationId xmlns:a16="http://schemas.microsoft.com/office/drawing/2014/main" id="{CA102691-507D-E8DC-752F-50C2279C68D4}"/>
               </a:ext>
             </a:extLst>
           </p:cNvPr>
@@ -6672,389 +7053,14 @@
         </p:blipFill>
         <p:spPr>
           <a:xfrm>
-            <a:off x="1864325" y="1143000"/>
-            <a:ext cx="5415346" cy="1444092"/>
+            <a:off x="1687941" y="1307353"/>
+            <a:ext cx="5768114" cy="1379071"/>
           </a:xfrm>
           <a:prstGeom prst="rect">
             <a:avLst/>
           </a:prstGeom>
         </p:spPr>
       </p:pic>
-      <p:sp>
-        <p:nvSpPr>
-          <p:cNvPr id="2" name="Titolo 1">
-            <a:extLst>
-              <a:ext uri="{FF2B5EF4-FFF2-40B4-BE49-F238E27FC236}">
-                <a16:creationId xmlns:a16="http://schemas.microsoft.com/office/drawing/2014/main" id="{B8C7EEC7-48BB-B542-9A2A-E3C09D99B916}"/>
-              </a:ext>
-            </a:extLst>
-          </p:cNvPr>
-          <p:cNvSpPr>
-            <a:spLocks noGrp="1"/>
-          </p:cNvSpPr>
-          <p:nvPr>
-            <p:ph type="title"/>
-          </p:nvPr>
-        </p:nvSpPr>
-        <p:spPr>
-          <a:xfrm>
-            <a:off x="198192" y="0"/>
-            <a:ext cx="8747613" cy="1143000"/>
-          </a:xfrm>
-        </p:spPr>
-        <p:txBody>
-          <a:bodyPr>
-            <a:normAutofit fontScale="90000"/>
-          </a:bodyPr>
-          <a:lstStyle/>
-          <a:p>
-            <a:r>
-              <a:rPr lang="en-US" dirty="0"/>
-              <a:t>Requirements and Entities </a:t>
-            </a:r>
-            <a:br>
-              <a:rPr lang="en-US" dirty="0"/>
-            </a:br>
-            <a:r>
-              <a:rPr lang="en-US" dirty="0"/>
-              <a:t>handled by Graph DB</a:t>
-            </a:r>
-          </a:p>
-        </p:txBody>
-      </p:sp>
-      <p:sp>
-        <p:nvSpPr>
-          <p:cNvPr id="3" name="TextBox 2">
-            <a:extLst>
-              <a:ext uri="{FF2B5EF4-FFF2-40B4-BE49-F238E27FC236}">
-                <a16:creationId xmlns:a16="http://schemas.microsoft.com/office/drawing/2014/main" id="{B523F3A5-FDF9-DBA6-8016-CDCD625DCCD6}"/>
-              </a:ext>
-            </a:extLst>
-          </p:cNvPr>
-          <p:cNvSpPr txBox="1"/>
-          <p:nvPr/>
-        </p:nvSpPr>
-        <p:spPr>
-          <a:xfrm>
-            <a:off x="0" y="3730092"/>
-            <a:ext cx="3536320" cy="2308324"/>
-          </a:xfrm>
-          <a:prstGeom prst="rect">
-            <a:avLst/>
-          </a:prstGeom>
-          <a:noFill/>
-        </p:spPr>
-        <p:txBody>
-          <a:bodyPr wrap="square" rtlCol="0">
-            <a:spAutoFit/>
-          </a:bodyPr>
-          <a:lstStyle/>
-          <a:p>
-            <a:r>
-              <a:rPr lang="it-IT" dirty="0" err="1"/>
-              <a:t>Entities</a:t>
-            </a:r>
-            <a:r>
-              <a:rPr lang="it-IT" dirty="0"/>
-              <a:t> :</a:t>
-            </a:r>
-          </a:p>
-          <a:p>
-            <a:pPr marL="285750" indent="-285750">
-              <a:buFont typeface="Arial" panose="020B0604020202020204" pitchFamily="34" charset="0"/>
-              <a:buChar char="•"/>
-            </a:pPr>
-            <a:r>
-              <a:rPr lang="it-IT" dirty="0"/>
-              <a:t>Anime</a:t>
-            </a:r>
-          </a:p>
-          <a:p>
-            <a:pPr marL="285750" indent="-285750">
-              <a:buFont typeface="Arial" panose="020B0604020202020204" pitchFamily="34" charset="0"/>
-              <a:buChar char="•"/>
-            </a:pPr>
-            <a:r>
-              <a:rPr lang="en-GB" dirty="0"/>
-              <a:t>User</a:t>
-            </a:r>
-          </a:p>
-          <a:p>
-            <a:pPr marL="285750" indent="-285750">
-              <a:buFont typeface="Arial" panose="020B0604020202020204" pitchFamily="34" charset="0"/>
-              <a:buChar char="•"/>
-            </a:pPr>
-            <a:endParaRPr lang="en-GB" dirty="0"/>
-          </a:p>
-          <a:p>
-            <a:r>
-              <a:rPr lang="en-GB" dirty="0"/>
-              <a:t>Relationships :</a:t>
-            </a:r>
-          </a:p>
-          <a:p>
-            <a:pPr marL="285750" indent="-285750">
-              <a:buFont typeface="Arial" panose="020B0604020202020204" pitchFamily="34" charset="0"/>
-              <a:buChar char="•"/>
-            </a:pPr>
-            <a:r>
-              <a:rPr lang="en-GB" dirty="0"/>
-              <a:t>IS_FRIEND_WITH</a:t>
-            </a:r>
-          </a:p>
-          <a:p>
-            <a:pPr marL="285750" indent="-285750">
-              <a:buFont typeface="Arial" panose="020B0604020202020204" pitchFamily="34" charset="0"/>
-              <a:buChar char="•"/>
-            </a:pPr>
-            <a:r>
-              <a:rPr lang="en-GB" dirty="0"/>
-              <a:t>IN_LIST (in which list an anime is for a specific user</a:t>
-            </a:r>
-          </a:p>
-        </p:txBody>
-      </p:sp>
-      <p:sp>
-        <p:nvSpPr>
-          <p:cNvPr id="4" name="TextBox 3">
-            <a:extLst>
-              <a:ext uri="{FF2B5EF4-FFF2-40B4-BE49-F238E27FC236}">
-                <a16:creationId xmlns:a16="http://schemas.microsoft.com/office/drawing/2014/main" id="{F5D826E1-8599-7C42-3831-55733A014DEE}"/>
-              </a:ext>
-            </a:extLst>
-          </p:cNvPr>
-          <p:cNvSpPr txBox="1"/>
-          <p:nvPr/>
-        </p:nvSpPr>
-        <p:spPr>
-          <a:xfrm>
-            <a:off x="4059251" y="2614564"/>
-            <a:ext cx="5084749" cy="4524315"/>
-          </a:xfrm>
-          <a:prstGeom prst="rect">
-            <a:avLst/>
-          </a:prstGeom>
-          <a:noFill/>
-        </p:spPr>
-        <p:txBody>
-          <a:bodyPr wrap="square" rtlCol="0">
-            <a:spAutoFit/>
-          </a:bodyPr>
-          <a:lstStyle/>
-          <a:p>
-            <a:r>
-              <a:rPr lang="it-IT" b="1" dirty="0"/>
-              <a:t>STATISTICS</a:t>
-            </a:r>
-            <a:r>
-              <a:rPr lang="it-IT" dirty="0"/>
-              <a:t> :</a:t>
-            </a:r>
-          </a:p>
-          <a:p>
-            <a:pPr marL="285750" indent="-285750">
-              <a:buFont typeface="Arial" panose="020B0604020202020204" pitchFamily="34" charset="0"/>
-              <a:buChar char="•"/>
-            </a:pPr>
-            <a:r>
-              <a:rPr lang="it-IT" dirty="0"/>
-              <a:t>Show the </a:t>
-            </a:r>
-            <a:r>
-              <a:rPr lang="it-IT" dirty="0" err="1"/>
-              <a:t>most</a:t>
-            </a:r>
-            <a:r>
-              <a:rPr lang="it-IT" dirty="0"/>
-              <a:t> </a:t>
-            </a:r>
-            <a:r>
-              <a:rPr lang="it-IT" dirty="0" err="1"/>
-              <a:t>watched</a:t>
-            </a:r>
-            <a:r>
-              <a:rPr lang="it-IT" dirty="0"/>
-              <a:t>/… anime of </a:t>
-            </a:r>
-            <a:r>
-              <a:rPr lang="it-IT" dirty="0" err="1"/>
-              <a:t>all</a:t>
-            </a:r>
-            <a:r>
-              <a:rPr lang="it-IT" dirty="0"/>
-              <a:t> time</a:t>
-            </a:r>
-          </a:p>
-          <a:p>
-            <a:pPr marL="285750" indent="-285750">
-              <a:buFont typeface="Arial" panose="020B0604020202020204" pitchFamily="34" charset="0"/>
-              <a:buChar char="•"/>
-            </a:pPr>
-            <a:r>
-              <a:rPr lang="it-IT" dirty="0"/>
-              <a:t>Show the </a:t>
-            </a:r>
-            <a:r>
-              <a:rPr lang="it-IT" dirty="0" err="1"/>
-              <a:t>most</a:t>
-            </a:r>
-            <a:r>
-              <a:rPr lang="it-IT" dirty="0"/>
-              <a:t> </a:t>
-            </a:r>
-            <a:r>
-              <a:rPr lang="it-IT" dirty="0" err="1"/>
-              <a:t>watched</a:t>
-            </a:r>
-            <a:r>
-              <a:rPr lang="it-IT" dirty="0"/>
-              <a:t>/… anime of last week</a:t>
-            </a:r>
-          </a:p>
-          <a:p>
-            <a:pPr marL="285750" indent="-285750">
-              <a:buFont typeface="Arial" panose="020B0604020202020204" pitchFamily="34" charset="0"/>
-              <a:buChar char="•"/>
-            </a:pPr>
-            <a:endParaRPr lang="it-IT" dirty="0"/>
-          </a:p>
-          <a:p>
-            <a:r>
-              <a:rPr lang="it-IT" b="1" dirty="0"/>
-              <a:t>SUGGESTIONS</a:t>
-            </a:r>
-            <a:r>
-              <a:rPr lang="it-IT" dirty="0"/>
-              <a:t> :</a:t>
-            </a:r>
-          </a:p>
-          <a:p>
-            <a:r>
-              <a:rPr lang="it-IT" b="1" dirty="0"/>
-              <a:t>Users</a:t>
-            </a:r>
-            <a:r>
-              <a:rPr lang="it-IT" dirty="0"/>
-              <a:t> -&gt;</a:t>
-            </a:r>
-          </a:p>
-          <a:p>
-            <a:pPr marL="285750" indent="-285750">
-              <a:buFont typeface="Arial" panose="020B0604020202020204" pitchFamily="34" charset="0"/>
-              <a:buChar char="•"/>
-            </a:pPr>
-            <a:r>
-              <a:rPr lang="it-IT" dirty="0" err="1"/>
-              <a:t>Based</a:t>
-            </a:r>
-            <a:r>
-              <a:rPr lang="it-IT" dirty="0"/>
-              <a:t> on friends of friends</a:t>
-            </a:r>
-          </a:p>
-          <a:p>
-            <a:r>
-              <a:rPr lang="it-IT" b="1" dirty="0"/>
-              <a:t>Anime</a:t>
-            </a:r>
-            <a:r>
-              <a:rPr lang="it-IT" dirty="0"/>
-              <a:t> -&gt;</a:t>
-            </a:r>
-          </a:p>
-          <a:p>
-            <a:pPr marL="285750" indent="-285750">
-              <a:buFont typeface="Arial" panose="020B0604020202020204" pitchFamily="34" charset="0"/>
-              <a:buChar char="•"/>
-            </a:pPr>
-            <a:r>
-              <a:rPr lang="it-IT" dirty="0" err="1"/>
-              <a:t>Based</a:t>
-            </a:r>
-            <a:r>
-              <a:rPr lang="it-IT" dirty="0"/>
-              <a:t> on friends’ lists</a:t>
-            </a:r>
-          </a:p>
-          <a:p>
-            <a:pPr marL="285750" indent="-285750">
-              <a:buFont typeface="Arial" panose="020B0604020202020204" pitchFamily="34" charset="0"/>
-              <a:buChar char="•"/>
-            </a:pPr>
-            <a:r>
-              <a:rPr lang="it-IT" dirty="0" err="1"/>
-              <a:t>Based</a:t>
-            </a:r>
-            <a:r>
-              <a:rPr lang="it-IT" dirty="0"/>
-              <a:t> on </a:t>
-            </a:r>
-            <a:r>
-              <a:rPr lang="it-IT" dirty="0" err="1"/>
-              <a:t>most</a:t>
-            </a:r>
-            <a:r>
-              <a:rPr lang="it-IT" dirty="0"/>
-              <a:t> </a:t>
-            </a:r>
-            <a:r>
-              <a:rPr lang="it-IT" dirty="0" err="1"/>
-              <a:t>liked</a:t>
-            </a:r>
-            <a:r>
-              <a:rPr lang="it-IT" dirty="0"/>
-              <a:t> anime by </a:t>
-            </a:r>
-            <a:r>
-              <a:rPr lang="it-IT" dirty="0" err="1"/>
-              <a:t>genres</a:t>
-            </a:r>
-            <a:r>
-              <a:rPr lang="it-IT" dirty="0"/>
-              <a:t> in </a:t>
-            </a:r>
-            <a:r>
-              <a:rPr lang="it-IT" dirty="0" err="1"/>
-              <a:t>user’s</a:t>
-            </a:r>
-            <a:r>
-              <a:rPr lang="it-IT" dirty="0"/>
-              <a:t> </a:t>
-            </a:r>
-            <a:r>
-              <a:rPr lang="it-IT" dirty="0" err="1"/>
-              <a:t>own</a:t>
-            </a:r>
-            <a:r>
-              <a:rPr lang="it-IT" dirty="0"/>
-              <a:t> lists</a:t>
-            </a:r>
-          </a:p>
-          <a:p>
-            <a:pPr marL="285750" indent="-285750">
-              <a:buFont typeface="Arial" panose="020B0604020202020204" pitchFamily="34" charset="0"/>
-              <a:buChar char="•"/>
-            </a:pPr>
-            <a:endParaRPr lang="it-IT" dirty="0"/>
-          </a:p>
-          <a:p>
-            <a:pPr marL="285750" indent="-285750">
-              <a:buFont typeface="Arial" panose="020B0604020202020204" pitchFamily="34" charset="0"/>
-              <a:buChar char="•"/>
-            </a:pPr>
-            <a:endParaRPr lang="it-IT" dirty="0"/>
-          </a:p>
-          <a:p>
-            <a:endParaRPr lang="it-IT" dirty="0"/>
-          </a:p>
-          <a:p>
-            <a:endParaRPr lang="it-IT" dirty="0"/>
-          </a:p>
-          <a:p>
-            <a:endParaRPr lang="en-GB" dirty="0"/>
-          </a:p>
-        </p:txBody>
-      </p:sp>
     </p:spTree>
     <p:extLst>
       <p:ext uri="{BB962C8B-B14F-4D97-AF65-F5344CB8AC3E}">

--- a/070_presentation/CarlonRiccardiElOurrak_ProjectDesignPresentation.pptx
+++ b/070_presentation/CarlonRiccardiElOurrak_ProjectDesignPresentation.pptx
@@ -225,7 +225,7 @@
           <a:p>
             <a:fld id="{0EF95162-6873-F647-B392-BF6A1F606277}" type="datetimeFigureOut">
               <a:rPr lang="it-IT" smtClean="0"/>
-              <a:t>21/06/2024</a:t>
+              <a:t>22/06/2024</a:t>
             </a:fld>
             <a:endParaRPr lang="it-IT"/>
           </a:p>
@@ -763,7 +763,7 @@
           <a:p>
             <a:fld id="{2FDCBEE4-315A-8E42-835E-29A1DAE07625}" type="datetimeFigureOut">
               <a:rPr lang="it-IT" smtClean="0"/>
-              <a:t>21/06/2024</a:t>
+              <a:t>22/06/2024</a:t>
             </a:fld>
             <a:endParaRPr lang="it-IT"/>
           </a:p>
@@ -955,7 +955,7 @@
           <a:p>
             <a:fld id="{2FDCBEE4-315A-8E42-835E-29A1DAE07625}" type="datetimeFigureOut">
               <a:rPr lang="it-IT" smtClean="0"/>
-              <a:t>21/06/2024</a:t>
+              <a:t>22/06/2024</a:t>
             </a:fld>
             <a:endParaRPr lang="it-IT"/>
           </a:p>
@@ -1157,7 +1157,7 @@
           <a:p>
             <a:fld id="{2FDCBEE4-315A-8E42-835E-29A1DAE07625}" type="datetimeFigureOut">
               <a:rPr lang="it-IT" smtClean="0"/>
-              <a:t>21/06/2024</a:t>
+              <a:t>22/06/2024</a:t>
             </a:fld>
             <a:endParaRPr lang="it-IT"/>
           </a:p>
@@ -1349,7 +1349,7 @@
           <a:p>
             <a:fld id="{2FDCBEE4-315A-8E42-835E-29A1DAE07625}" type="datetimeFigureOut">
               <a:rPr lang="it-IT" smtClean="0"/>
-              <a:t>21/06/2024</a:t>
+              <a:t>22/06/2024</a:t>
             </a:fld>
             <a:endParaRPr lang="it-IT"/>
           </a:p>
@@ -1618,7 +1618,7 @@
           <a:p>
             <a:fld id="{2FDCBEE4-315A-8E42-835E-29A1DAE07625}" type="datetimeFigureOut">
               <a:rPr lang="it-IT" smtClean="0"/>
-              <a:t>21/06/2024</a:t>
+              <a:t>22/06/2024</a:t>
             </a:fld>
             <a:endParaRPr lang="it-IT"/>
           </a:p>
@@ -1927,7 +1927,7 @@
           <a:p>
             <a:fld id="{2FDCBEE4-315A-8E42-835E-29A1DAE07625}" type="datetimeFigureOut">
               <a:rPr lang="it-IT" smtClean="0"/>
-              <a:t>21/06/2024</a:t>
+              <a:t>22/06/2024</a:t>
             </a:fld>
             <a:endParaRPr lang="it-IT"/>
           </a:p>
@@ -2370,7 +2370,7 @@
           <a:p>
             <a:fld id="{2FDCBEE4-315A-8E42-835E-29A1DAE07625}" type="datetimeFigureOut">
               <a:rPr lang="it-IT" smtClean="0"/>
-              <a:t>21/06/2024</a:t>
+              <a:t>22/06/2024</a:t>
             </a:fld>
             <a:endParaRPr lang="it-IT"/>
           </a:p>
@@ -2511,7 +2511,7 @@
           <a:p>
             <a:fld id="{2FDCBEE4-315A-8E42-835E-29A1DAE07625}" type="datetimeFigureOut">
               <a:rPr lang="it-IT" smtClean="0"/>
-              <a:t>21/06/2024</a:t>
+              <a:t>22/06/2024</a:t>
             </a:fld>
             <a:endParaRPr lang="it-IT"/>
           </a:p>
@@ -2630,7 +2630,7 @@
           <a:p>
             <a:fld id="{2FDCBEE4-315A-8E42-835E-29A1DAE07625}" type="datetimeFigureOut">
               <a:rPr lang="it-IT" smtClean="0"/>
-              <a:t>21/06/2024</a:t>
+              <a:t>22/06/2024</a:t>
             </a:fld>
             <a:endParaRPr lang="it-IT"/>
           </a:p>
@@ -2929,7 +2929,7 @@
           <a:p>
             <a:fld id="{2FDCBEE4-315A-8E42-835E-29A1DAE07625}" type="datetimeFigureOut">
               <a:rPr lang="it-IT" smtClean="0"/>
-              <a:t>21/06/2024</a:t>
+              <a:t>22/06/2024</a:t>
             </a:fld>
             <a:endParaRPr lang="it-IT"/>
           </a:p>
@@ -3205,7 +3205,7 @@
           <a:p>
             <a:fld id="{2FDCBEE4-315A-8E42-835E-29A1DAE07625}" type="datetimeFigureOut">
               <a:rPr lang="it-IT" smtClean="0"/>
-              <a:t>21/06/2024</a:t>
+              <a:t>22/06/2024</a:t>
             </a:fld>
             <a:endParaRPr lang="it-IT"/>
           </a:p>
@@ -3977,7 +3977,7 @@
         </p:nvSpPr>
         <p:spPr>
           <a:xfrm>
-            <a:off x="2614905" y="2635125"/>
+            <a:off x="2614905" y="2782669"/>
             <a:ext cx="3914190" cy="646331"/>
           </a:xfrm>
           <a:prstGeom prst="rect">
@@ -4907,7 +4907,7 @@
                 </a:solidFill>
                 <a:latin typeface="Arial" panose="020B0604020202020204" pitchFamily="34" charset="0"/>
               </a:rPr>
-              <a:t>Be the Community</a:t>
+              <a:t>Join the Community</a:t>
             </a:r>
             <a:r>
               <a:rPr lang="en-US" sz="1800" i="0" u="none" strike="noStrike" baseline="0" dirty="0">
@@ -5459,10 +5459,10 @@
       </p:sp>
       <p:pic>
         <p:nvPicPr>
-          <p:cNvPr id="6" name="Picture 5" descr="A screenshot of a computer screen&#10;&#10;Description automatically generated">
+          <p:cNvPr id="4" name="Picture 3" descr="A screenshot of a computer&#10;&#10;Description automatically generated">
             <a:extLst>
               <a:ext uri="{FF2B5EF4-FFF2-40B4-BE49-F238E27FC236}">
-                <a16:creationId xmlns:a16="http://schemas.microsoft.com/office/drawing/2014/main" id="{956FB0B6-D5F3-61AB-DEE8-EFD3EED4FF4C}"/>
+                <a16:creationId xmlns:a16="http://schemas.microsoft.com/office/drawing/2014/main" id="{EAF49F7D-B031-C238-8BEF-A2AFC6CBEEE9}"/>
               </a:ext>
             </a:extLst>
           </p:cNvPr>
@@ -5479,8 +5479,8 @@
         </p:blipFill>
         <p:spPr>
           <a:xfrm>
-            <a:off x="2504140" y="651435"/>
-            <a:ext cx="5152705" cy="6031363"/>
+            <a:off x="2499492" y="651435"/>
+            <a:ext cx="4911570" cy="6006353"/>
           </a:xfrm>
           <a:prstGeom prst="rect">
             <a:avLst/>
@@ -6492,23 +6492,7 @@
             </a:pPr>
             <a:r>
               <a:rPr lang="it-IT" sz="2000" dirty="0"/>
-              <a:t>Show anime </a:t>
-            </a:r>
-            <a:r>
-              <a:rPr lang="it-IT" sz="2000" dirty="0" err="1"/>
-              <a:t>most</a:t>
-            </a:r>
-            <a:r>
-              <a:rPr lang="it-IT" sz="2000" dirty="0"/>
-              <a:t> </a:t>
-            </a:r>
-            <a:r>
-              <a:rPr lang="it-IT" sz="2000" dirty="0" err="1"/>
-              <a:t>recent</a:t>
-            </a:r>
-            <a:r>
-              <a:rPr lang="it-IT" sz="2000" dirty="0"/>
-              <a:t> reviews</a:t>
+              <a:t>Show anime reviews</a:t>
             </a:r>
           </a:p>
           <a:p>
